--- a/UI_v0.2.pptx
+++ b/UI_v0.2.pptx
@@ -2,13 +2,13 @@
 <file path=ppt/presentation.xml><?xml version="1.0" encoding="utf-8"?>
 <p:presentation xmlns:a="http://schemas.openxmlformats.org/drawingml/2006/main" xmlns:r="http://schemas.openxmlformats.org/officeDocument/2006/relationships" xmlns:p="http://schemas.openxmlformats.org/presentationml/2006/main" saveSubsetFonts="1">
   <p:sldMasterIdLst>
-    <p:sldMasterId id="2147483648" r:id="rId79"/>
+    <p:sldMasterId id="2147483648" r:id="rId80"/>
   </p:sldMasterIdLst>
   <p:sldIdLst>
-    <p:sldId id="256" r:id="rId80"/>
-    <p:sldId id="257" r:id="rId81"/>
-    <p:sldId id="258" r:id="rId82"/>
-    <p:sldId id="259" r:id="rId83"/>
+    <p:sldId id="256" r:id="rId81"/>
+    <p:sldId id="257" r:id="rId82"/>
+    <p:sldId id="258" r:id="rId83"/>
+    <p:sldId id="259" r:id="rId84"/>
   </p:sldIdLst>
   <p:sldSz cx="9144000" cy="6858000" type="screen4x3"/>
   <p:notesSz cx="6858000" cy="9144000"/>
@@ -291,7 +291,7 @@
           <a:p>
             <a:fld id="{AD971B5C-FEA0-4B5C-885F-04C70FA8B30E}" type="datetimeFigureOut">
               <a:rPr lang="ru-RU" smtClean="0"/>
-              <a:t>10.10.2019</a:t>
+              <a:t>11.10.2019</a:t>
             </a:fld>
             <a:endParaRPr lang="ru-RU"/>
           </a:p>
@@ -461,7 +461,7 @@
           <a:p>
             <a:fld id="{AD971B5C-FEA0-4B5C-885F-04C70FA8B30E}" type="datetimeFigureOut">
               <a:rPr lang="ru-RU" smtClean="0"/>
-              <a:t>10.10.2019</a:t>
+              <a:t>11.10.2019</a:t>
             </a:fld>
             <a:endParaRPr lang="ru-RU"/>
           </a:p>
@@ -641,7 +641,7 @@
           <a:p>
             <a:fld id="{AD971B5C-FEA0-4B5C-885F-04C70FA8B30E}" type="datetimeFigureOut">
               <a:rPr lang="ru-RU" smtClean="0"/>
-              <a:t>10.10.2019</a:t>
+              <a:t>11.10.2019</a:t>
             </a:fld>
             <a:endParaRPr lang="ru-RU"/>
           </a:p>
@@ -811,7 +811,7 @@
           <a:p>
             <a:fld id="{AD971B5C-FEA0-4B5C-885F-04C70FA8B30E}" type="datetimeFigureOut">
               <a:rPr lang="ru-RU" smtClean="0"/>
-              <a:t>10.10.2019</a:t>
+              <a:t>11.10.2019</a:t>
             </a:fld>
             <a:endParaRPr lang="ru-RU"/>
           </a:p>
@@ -1057,7 +1057,7 @@
           <a:p>
             <a:fld id="{AD971B5C-FEA0-4B5C-885F-04C70FA8B30E}" type="datetimeFigureOut">
               <a:rPr lang="ru-RU" smtClean="0"/>
-              <a:t>10.10.2019</a:t>
+              <a:t>11.10.2019</a:t>
             </a:fld>
             <a:endParaRPr lang="ru-RU"/>
           </a:p>
@@ -1345,7 +1345,7 @@
           <a:p>
             <a:fld id="{AD971B5C-FEA0-4B5C-885F-04C70FA8B30E}" type="datetimeFigureOut">
               <a:rPr lang="ru-RU" smtClean="0"/>
-              <a:t>10.10.2019</a:t>
+              <a:t>11.10.2019</a:t>
             </a:fld>
             <a:endParaRPr lang="ru-RU"/>
           </a:p>
@@ -1767,7 +1767,7 @@
           <a:p>
             <a:fld id="{AD971B5C-FEA0-4B5C-885F-04C70FA8B30E}" type="datetimeFigureOut">
               <a:rPr lang="ru-RU" smtClean="0"/>
-              <a:t>10.10.2019</a:t>
+              <a:t>11.10.2019</a:t>
             </a:fld>
             <a:endParaRPr lang="ru-RU"/>
           </a:p>
@@ -1885,7 +1885,7 @@
           <a:p>
             <a:fld id="{AD971B5C-FEA0-4B5C-885F-04C70FA8B30E}" type="datetimeFigureOut">
               <a:rPr lang="ru-RU" smtClean="0"/>
-              <a:t>10.10.2019</a:t>
+              <a:t>11.10.2019</a:t>
             </a:fld>
             <a:endParaRPr lang="ru-RU"/>
           </a:p>
@@ -1980,7 +1980,7 @@
           <a:p>
             <a:fld id="{AD971B5C-FEA0-4B5C-885F-04C70FA8B30E}" type="datetimeFigureOut">
               <a:rPr lang="ru-RU" smtClean="0"/>
-              <a:t>10.10.2019</a:t>
+              <a:t>11.10.2019</a:t>
             </a:fld>
             <a:endParaRPr lang="ru-RU"/>
           </a:p>
@@ -2257,7 +2257,7 @@
           <a:p>
             <a:fld id="{AD971B5C-FEA0-4B5C-885F-04C70FA8B30E}" type="datetimeFigureOut">
               <a:rPr lang="ru-RU" smtClean="0"/>
-              <a:t>10.10.2019</a:t>
+              <a:t>11.10.2019</a:t>
             </a:fld>
             <a:endParaRPr lang="ru-RU"/>
           </a:p>
@@ -2510,7 +2510,7 @@
           <a:p>
             <a:fld id="{AD971B5C-FEA0-4B5C-885F-04C70FA8B30E}" type="datetimeFigureOut">
               <a:rPr lang="ru-RU" smtClean="0"/>
-              <a:t>10.10.2019</a:t>
+              <a:t>11.10.2019</a:t>
             </a:fld>
             <a:endParaRPr lang="ru-RU"/>
           </a:p>
@@ -2723,7 +2723,7 @@
           <a:p>
             <a:fld id="{AD971B5C-FEA0-4B5C-885F-04C70FA8B30E}" type="datetimeFigureOut">
               <a:rPr lang="ru-RU" smtClean="0"/>
-              <a:t>10.10.2019</a:t>
+              <a:t>11.10.2019</a:t>
             </a:fld>
             <a:endParaRPr lang="ru-RU"/>
           </a:p>
@@ -5523,13 +5523,7 @@
               <a:rPr lang="en-US" sz="1100" kern="0" dirty="0" smtClean="0">
                 <a:latin typeface="Segoe UI"/>
               </a:rPr>
-              <a:t>”</a:t>
-            </a:r>
-            <a:r>
-              <a:rPr lang="en-US" sz="1100" kern="0" dirty="0" smtClean="0">
-                <a:latin typeface="Segoe UI"/>
-              </a:rPr>
-              <a:t>,</a:t>
+              <a:t>”,</a:t>
             </a:r>
             <a:r>
               <a:rPr lang="ru-RU" sz="1100" kern="0" dirty="0" smtClean="0">
@@ -6215,11 +6209,7 @@
           <a:p>
             <a:r>
               <a:rPr lang="ru-RU" sz="2400" dirty="0" smtClean="0"/>
-              <a:t>Создание </a:t>
-            </a:r>
-            <a:r>
-              <a:rPr lang="ru-RU" sz="2400" dirty="0" smtClean="0"/>
-              <a:t>контракта </a:t>
+              <a:t>Создание контракта </a:t>
             </a:r>
             <a:r>
               <a:rPr lang="en-US" sz="2400" dirty="0" err="1" smtClean="0">
@@ -8752,14 +8742,6 @@
               </a:rPr>
               <a:t> :</a:t>
             </a:r>
-            <a:endParaRPr lang="en-US" sz="1200" dirty="0" smtClean="0">
-              <a:solidFill>
-                <a:srgbClr val="000000"/>
-              </a:solidFill>
-              <a:latin typeface="Segoe UI" pitchFamily="34" charset="0"/>
-              <a:ea typeface="Segoe UI" pitchFamily="34" charset="0"/>
-              <a:cs typeface="Segoe UI" pitchFamily="34" charset="0"/>
-            </a:endParaRPr>
           </a:p>
         </p:txBody>
       </p:sp>
@@ -10292,14 +10274,6 @@
               </a:rPr>
               <a:t>:</a:t>
             </a:r>
-            <a:endParaRPr lang="en-US" sz="1200" dirty="0" smtClean="0">
-              <a:solidFill>
-                <a:srgbClr val="000000"/>
-              </a:solidFill>
-              <a:latin typeface="Segoe UI" pitchFamily="34" charset="0"/>
-              <a:ea typeface="Segoe UI" pitchFamily="34" charset="0"/>
-              <a:cs typeface="Segoe UI" pitchFamily="34" charset="0"/>
-            </a:endParaRPr>
           </a:p>
         </p:txBody>
       </p:sp>
@@ -10484,14 +10458,6 @@
               </a:rPr>
               <a:t>:</a:t>
             </a:r>
-            <a:endParaRPr lang="en-US" sz="1200" dirty="0" smtClean="0">
-              <a:solidFill>
-                <a:srgbClr val="000000"/>
-              </a:solidFill>
-              <a:latin typeface="Segoe UI" pitchFamily="34" charset="0"/>
-              <a:ea typeface="Segoe UI" pitchFamily="34" charset="0"/>
-              <a:cs typeface="Segoe UI" pitchFamily="34" charset="0"/>
-            </a:endParaRPr>
           </a:p>
         </p:txBody>
       </p:sp>
@@ -11052,11 +11018,7 @@
           <a:p>
             <a:r>
               <a:rPr lang="ru-RU" sz="2400" dirty="0" smtClean="0"/>
-              <a:t>Создание </a:t>
-            </a:r>
-            <a:r>
-              <a:rPr lang="ru-RU" sz="2400" dirty="0" smtClean="0"/>
-              <a:t>своих типов данных</a:t>
+              <a:t>Создание своих типов данных</a:t>
             </a:r>
             <a:endParaRPr lang="ru-RU" sz="2400" dirty="0"/>
           </a:p>
@@ -14369,7 +14331,7 @@
             <p:nvPr/>
           </p:nvPicPr>
           <p:blipFill>
-            <a:blip r:embed="rId32" cstate="print">
+            <a:blip r:embed="rId33" cstate="print">
               <a:extLst>
                 <a:ext uri="{28A0092B-C50C-407E-A947-70E740481C1C}">
                   <a14:useLocalDpi xmlns:a14="http://schemas.microsoft.com/office/drawing/2010/main" val="0"/>
@@ -14817,7 +14779,7 @@
           </p:nvPr>
         </p:nvPicPr>
         <p:blipFill>
-          <a:blip r:embed="rId33">
+          <a:blip r:embed="rId34">
             <a:extLst>
               <a:ext uri="{28A0092B-C50C-407E-A947-70E740481C1C}">
                 <a14:useLocalDpi xmlns:a14="http://schemas.microsoft.com/office/drawing/2010/main" val="0"/>
@@ -14851,7 +14813,7 @@
           </p:nvPr>
         </p:nvPicPr>
         <p:blipFill>
-          <a:blip r:embed="rId33">
+          <a:blip r:embed="rId34">
             <a:extLst>
               <a:ext uri="{28A0092B-C50C-407E-A947-70E740481C1C}">
                 <a14:useLocalDpi xmlns:a14="http://schemas.microsoft.com/office/drawing/2010/main" val="0"/>
@@ -14885,7 +14847,7 @@
           </p:nvPr>
         </p:nvPicPr>
         <p:blipFill>
-          <a:blip r:embed="rId34">
+          <a:blip r:embed="rId35">
             <a:extLst>
               <a:ext uri="{28A0092B-C50C-407E-A947-70E740481C1C}">
                 <a14:useLocalDpi xmlns:a14="http://schemas.microsoft.com/office/drawing/2010/main" val="0"/>
@@ -15258,7 +15220,7 @@
           </p:nvPr>
         </p:nvPicPr>
         <p:blipFill rotWithShape="1">
-          <a:blip r:embed="rId35">
+          <a:blip r:embed="rId36">
             <a:extLst>
               <a:ext uri="{28A0092B-C50C-407E-A947-70E740481C1C}">
                 <a14:useLocalDpi xmlns:a14="http://schemas.microsoft.com/office/drawing/2010/main" val="0"/>
@@ -15727,7 +15689,7 @@
             <p:nvPr/>
           </p:nvPicPr>
           <p:blipFill>
-            <a:blip r:embed="rId32" cstate="print">
+            <a:blip r:embed="rId33" cstate="print">
               <a:extLst>
                 <a:ext uri="{28A0092B-C50C-407E-A947-70E740481C1C}">
                   <a14:useLocalDpi xmlns:a14="http://schemas.microsoft.com/office/drawing/2010/main" val="0"/>
@@ -16138,7 +16100,7 @@
             <p:nvPr/>
           </p:nvPicPr>
           <p:blipFill>
-            <a:blip r:embed="rId32" cstate="print">
+            <a:blip r:embed="rId33" cstate="print">
               <a:extLst>
                 <a:ext uri="{28A0092B-C50C-407E-A947-70E740481C1C}">
                   <a14:useLocalDpi xmlns:a14="http://schemas.microsoft.com/office/drawing/2010/main" val="0"/>
@@ -16317,7 +16279,7 @@
           </p:nvPr>
         </p:nvPicPr>
         <p:blipFill>
-          <a:blip r:embed="rId33">
+          <a:blip r:embed="rId34">
             <a:extLst>
               <a:ext uri="{28A0092B-C50C-407E-A947-70E740481C1C}">
                 <a14:useLocalDpi xmlns:a14="http://schemas.microsoft.com/office/drawing/2010/main" val="0"/>
@@ -16351,7 +16313,7 @@
           </p:nvPr>
         </p:nvPicPr>
         <p:blipFill>
-          <a:blip r:embed="rId34">
+          <a:blip r:embed="rId35">
             <a:extLst>
               <a:ext uri="{28A0092B-C50C-407E-A947-70E740481C1C}">
                 <a14:useLocalDpi xmlns:a14="http://schemas.microsoft.com/office/drawing/2010/main" val="0"/>
@@ -16640,7 +16602,7 @@
             <p:nvPr/>
           </p:nvPicPr>
           <p:blipFill>
-            <a:blip r:embed="rId32" cstate="print">
+            <a:blip r:embed="rId33" cstate="print">
               <a:extLst>
                 <a:ext uri="{28A0092B-C50C-407E-A947-70E740481C1C}">
                   <a14:useLocalDpi xmlns:a14="http://schemas.microsoft.com/office/drawing/2010/main" val="0"/>
@@ -16929,7 +16891,7 @@
           </p:nvPr>
         </p:nvPicPr>
         <p:blipFill>
-          <a:blip r:embed="rId33">
+          <a:blip r:embed="rId34">
             <a:extLst>
               <a:ext uri="{28A0092B-C50C-407E-A947-70E740481C1C}">
                 <a14:useLocalDpi xmlns:a14="http://schemas.microsoft.com/office/drawing/2010/main" val="0"/>
@@ -16950,6 +16912,99 @@
           </a:prstGeom>
         </p:spPr>
       </p:pic>
+      <p:sp>
+        <p:nvSpPr>
+          <p:cNvPr id="99" name="Content"/>
+          <p:cNvSpPr/>
+          <p:nvPr>
+            <p:custDataLst>
+              <p:custData r:id="rId31"/>
+            </p:custDataLst>
+          </p:nvPr>
+        </p:nvSpPr>
+        <p:spPr>
+          <a:xfrm>
+            <a:off x="3382396" y="3789040"/>
+            <a:ext cx="1607464" cy="803004"/>
+          </a:xfrm>
+          <a:prstGeom prst="wedgeRoundRectCallout">
+            <a:avLst>
+              <a:gd name="adj1" fmla="val -107004"/>
+              <a:gd name="adj2" fmla="val -215043"/>
+              <a:gd name="adj3" fmla="val 16667"/>
+            </a:avLst>
+          </a:prstGeom>
+          <a:solidFill>
+            <a:schemeClr val="bg1">
+              <a:alpha val="80000"/>
+            </a:schemeClr>
+          </a:solidFill>
+          <a:ln w="12700" cap="flat" cmpd="sng" algn="ctr">
+            <a:solidFill>
+              <a:sysClr val="windowText" lastClr="000000">
+                <a:lumMod val="75000"/>
+                <a:lumOff val="25000"/>
+              </a:sysClr>
+            </a:solidFill>
+            <a:prstDash val="solid"/>
+          </a:ln>
+          <a:effectLst/>
+        </p:spPr>
+        <p:txBody>
+          <a:bodyPr rot="0" spcFirstLastPara="0" vertOverflow="overflow" horzOverflow="overflow" vert="horz" wrap="square" lIns="45720" tIns="45720" rIns="91440" bIns="45720" numCol="1" spcCol="0" rtlCol="0" fromWordArt="0" anchor="ctr" anchorCtr="0" forceAA="0" compatLnSpc="1">
+            <a:prstTxWarp prst="textNoShape">
+              <a:avLst/>
+            </a:prstTxWarp>
+            <a:noAutofit/>
+          </a:bodyPr>
+          <a:lstStyle/>
+          <a:p>
+            <a:pPr marL="0" marR="0" indent="0" algn="ctr" defTabSz="914400" eaLnBrk="1" fontAlgn="auto" latinLnBrk="0" hangingPunct="1">
+              <a:lnSpc>
+                <a:spcPct val="100000"/>
+              </a:lnSpc>
+              <a:spcBef>
+                <a:spcPts val="0"/>
+              </a:spcBef>
+              <a:spcAft>
+                <a:spcPts val="0"/>
+              </a:spcAft>
+              <a:buClrTx/>
+              <a:buSzTx/>
+              <a:buFontTx/>
+              <a:buNone/>
+              <a:tabLst/>
+            </a:pPr>
+            <a:r>
+              <a:rPr lang="ru-RU" sz="1100" kern="0" dirty="0" smtClean="0">
+                <a:latin typeface="Segoe UI"/>
+              </a:rPr>
+              <a:t>Если тип не простой, двойной клик по полю переносит в этот тип</a:t>
+            </a:r>
+            <a:r>
+              <a:rPr lang="en-US" sz="1100" kern="0" dirty="0" smtClean="0">
+                <a:solidFill>
+                  <a:srgbClr val="FFFFFF"/>
+                </a:solidFill>
+                <a:latin typeface="Segoe UI"/>
+              </a:rPr>
+              <a:t>t</a:t>
+            </a:r>
+            <a:endParaRPr kumimoji="0" lang="en-US" sz="1100" b="0" i="0" u="none" strike="noStrike" kern="0" cap="none" spc="0" normalizeH="0" baseline="0" noProof="0" dirty="0" smtClean="0">
+              <a:ln>
+                <a:noFill/>
+              </a:ln>
+              <a:solidFill>
+                <a:srgbClr val="FFFFFF"/>
+              </a:solidFill>
+              <a:effectLst/>
+              <a:uLnTx/>
+              <a:uFillTx/>
+              <a:latin typeface="Segoe UI"/>
+            </a:endParaRPr>
+          </a:p>
+        </p:txBody>
+      </p:sp>
     </p:spTree>
     <p:extLst>
       <p:ext uri="{BB962C8B-B14F-4D97-AF65-F5344CB8AC3E}">
@@ -16963,9 +17018,80 @@
   <p:timing>
     <p:tnLst>
       <p:par>
-        <p:cTn id="1" dur="indefinite" restart="never" nodeType="tmRoot"/>
+        <p:cTn id="1" dur="indefinite" restart="never" nodeType="tmRoot">
+          <p:childTnLst>
+            <p:seq concurrent="1" nextAc="seek">
+              <p:cTn id="2" dur="indefinite" nodeType="mainSeq">
+                <p:childTnLst>
+                  <p:par>
+                    <p:cTn id="3" fill="hold">
+                      <p:stCondLst>
+                        <p:cond delay="indefinite"/>
+                      </p:stCondLst>
+                      <p:childTnLst>
+                        <p:par>
+                          <p:cTn id="4" fill="hold">
+                            <p:stCondLst>
+                              <p:cond delay="0"/>
+                            </p:stCondLst>
+                            <p:childTnLst>
+                              <p:par>
+                                <p:cTn id="5" presetID="1" presetClass="entr" presetSubtype="0" fill="hold" grpId="0" nodeType="clickEffect">
+                                  <p:stCondLst>
+                                    <p:cond delay="0"/>
+                                  </p:stCondLst>
+                                  <p:childTnLst>
+                                    <p:set>
+                                      <p:cBhvr>
+                                        <p:cTn id="6" dur="1" fill="hold">
+                                          <p:stCondLst>
+                                            <p:cond delay="0"/>
+                                          </p:stCondLst>
+                                        </p:cTn>
+                                        <p:tgtEl>
+                                          <p:spTgt spid="99"/>
+                                        </p:tgtEl>
+                                        <p:attrNameLst>
+                                          <p:attrName>style.visibility</p:attrName>
+                                        </p:attrNameLst>
+                                      </p:cBhvr>
+                                      <p:to>
+                                        <p:strVal val="visible"/>
+                                      </p:to>
+                                    </p:set>
+                                  </p:childTnLst>
+                                </p:cTn>
+                              </p:par>
+                            </p:childTnLst>
+                          </p:cTn>
+                        </p:par>
+                      </p:childTnLst>
+                    </p:cTn>
+                  </p:par>
+                </p:childTnLst>
+              </p:cTn>
+              <p:prevCondLst>
+                <p:cond evt="onPrev" delay="0">
+                  <p:tgtEl>
+                    <p:sldTgt/>
+                  </p:tgtEl>
+                </p:cond>
+              </p:prevCondLst>
+              <p:nextCondLst>
+                <p:cond evt="onNext" delay="0">
+                  <p:tgtEl>
+                    <p:sldTgt/>
+                  </p:tgtEl>
+                </p:cond>
+              </p:nextCondLst>
+            </p:seq>
+          </p:childTnLst>
+        </p:cTn>
       </p:par>
     </p:tnLst>
+    <p:bldLst>
+      <p:bldP spid="99" grpId="0" animBg="1"/>
+    </p:bldLst>
   </p:timing>
 </p:sld>
 </file>
@@ -18382,79 +18508,79 @@
 
 <file path=customXml/item1.xml><?xml version="1.0" encoding="utf-8"?>
 <Control xmlns="http://schemas.microsoft.com/VisualStudio/2011/storyboarding/control">
-  <Id Name="System.Storyboarding.WindowsPhoneIcons.Back" Revision="1" Stencil="System.Storyboarding.WindowsPhoneIcons" StencilVersion="0.1"/>
+  <Id Name="System.Storyboarding.Common.DataGrid" Revision="1" Stencil="System.Storyboarding.Common" StencilVersion="0.1"/>
 </Control>
 </file>
 
 <file path=customXml/item10.xml><?xml version="1.0" encoding="utf-8"?>
 <Control xmlns="http://schemas.microsoft.com/VisualStudio/2011/storyboarding/control">
-  <Id Name="System.Storyboarding.Annotation.AnimatedRectangleCallout" Revision="1" Stencil="System.Storyboarding.Annotation" StencilVersion="0.1"/>
+  <Id Name="System.Storyboarding.Common.CheckBoxChecked" Revision="1" Stencil="System.Storyboarding.Common" StencilVersion="0.1"/>
 </Control>
 </file>
 
 <file path=customXml/item11.xml><?xml version="1.0" encoding="utf-8"?>
 <Control xmlns="http://schemas.microsoft.com/VisualStudio/2011/storyboarding/control">
-  <Id Name="System.Storyboarding.Annotation.AnimatedRectangleCallout" Revision="1" Stencil="System.Storyboarding.Annotation" StencilVersion="0.1"/>
+  <Id Name="System.Storyboarding.WindowsPhoneIcons.Delete" Revision="1" Stencil="System.Storyboarding.WindowsPhoneIcons" StencilVersion="0.1"/>
 </Control>
 </file>
 
 <file path=customXml/item12.xml><?xml version="1.0" encoding="utf-8"?>
 <Control xmlns="http://schemas.microsoft.com/VisualStudio/2011/storyboarding/control">
-  <Id Name="System.Storyboarding.Common.TabGroup" Revision="1" Stencil="System.Storyboarding.Common" StencilVersion="0.1"/>
+  <Id Name="System.Storyboarding.Common.Text" Revision="1" Stencil="System.Storyboarding.Common" StencilVersion="0.1"/>
 </Control>
 </file>
 
 <file path=customXml/item13.xml><?xml version="1.0" encoding="utf-8"?>
 <Control xmlns="http://schemas.microsoft.com/VisualStudio/2011/storyboarding/control">
-  <Id Name="System.Storyboarding.Common.DataGrid" Revision="1" Stencil="System.Storyboarding.Common" StencilVersion="0.1"/>
+  <Id Name="System.Storyboarding.Annotation.AnimatedRectangleCallout" Revision="1" Stencil="System.Storyboarding.Annotation" StencilVersion="0.1"/>
 </Control>
 </file>
 
 <file path=customXml/item14.xml><?xml version="1.0" encoding="utf-8"?>
 <Control xmlns="http://schemas.microsoft.com/VisualStudio/2011/storyboarding/control">
-  <Id Name="System.Storyboarding.Common.DropdownBox" Revision="1" Stencil="System.Storyboarding.Common" StencilVersion="0.1"/>
+  <Id Name="System.Storyboarding.WindowsPhoneIcons.Back" Revision="1" Stencil="System.Storyboarding.WindowsPhoneIcons" StencilVersion="0.1"/>
 </Control>
 </file>
 
 <file path=customXml/item15.xml><?xml version="1.0" encoding="utf-8"?>
 <Control xmlns="http://schemas.microsoft.com/VisualStudio/2011/storyboarding/control">
-  <Id Name="System.Storyboarding.Common.Text" Revision="1" Stencil="System.Storyboarding.Common" StencilVersion="0.1"/>
+  <Id Name="System.Storyboarding.Common.TextInput" Revision="1" Stencil="System.Storyboarding.Common" StencilVersion="0.1"/>
 </Control>
 </file>
 
 <file path=customXml/item16.xml><?xml version="1.0" encoding="utf-8"?>
 <Control xmlns="http://schemas.microsoft.com/VisualStudio/2011/storyboarding/control">
-  <Id Name="System.Storyboarding.Annotation.AnimatedRectangleCallout" Revision="1" Stencil="System.Storyboarding.Annotation" StencilVersion="0.1"/>
+  <Id Name="System.Storyboarding.Common.SearchBox" Revision="1" Stencil="System.Storyboarding.Common" StencilVersion="0.1"/>
 </Control>
 </file>
 
 <file path=customXml/item17.xml><?xml version="1.0" encoding="utf-8"?>
 <Control xmlns="http://schemas.microsoft.com/VisualStudio/2011/storyboarding/control">
-  <Id Name="System.Storyboarding.Common.DropdownBox" Revision="1" Stencil="System.Storyboarding.Common" StencilVersion="0.1"/>
+  <Id Name="System.Storyboarding.Annotation.AnimatedRectangleCallout" Revision="1" Stencil="System.Storyboarding.Annotation" StencilVersion="0.1"/>
 </Control>
 </file>
 
 <file path=customXml/item18.xml><?xml version="1.0" encoding="utf-8"?>
 <Control xmlns="http://schemas.microsoft.com/VisualStudio/2011/storyboarding/control">
-  <Id Name="System.Storyboarding.Common.CheckBoxChecked" Revision="1" Stencil="System.Storyboarding.Common" StencilVersion="0.1"/>
+  <Id Name="System.Storyboarding.Common.CheckBoxUnchecked" Revision="1" Stencil="System.Storyboarding.Common" StencilVersion="0.1"/>
 </Control>
 </file>
 
 <file path=customXml/item19.xml><?xml version="1.0" encoding="utf-8"?>
 <Control xmlns="http://schemas.microsoft.com/VisualStudio/2011/storyboarding/control">
-  <Id Name="System.Storyboarding.Common.DropdownBox" Revision="1" Stencil="System.Storyboarding.Common" StencilVersion="0.1"/>
+  <Id Name="System.Storyboarding.Annotation.AnimatedRectangleCallout" Revision="1" Stencil="System.Storyboarding.Annotation" StencilVersion="0.1"/>
 </Control>
 </file>
 
 <file path=customXml/item2.xml><?xml version="1.0" encoding="utf-8"?>
 <Control xmlns="http://schemas.microsoft.com/VisualStudio/2011/storyboarding/control">
-  <Id Name="System.Storyboarding.Common.SearchBox" Revision="1" Stencil="System.Storyboarding.Common" StencilVersion="0.1"/>
+  <Id Name="System.Storyboarding.Common.CheckBoxChecked" Revision="1" Stencil="System.Storyboarding.Common" StencilVersion="0.1"/>
 </Control>
 </file>
 
 <file path=customXml/item20.xml><?xml version="1.0" encoding="utf-8"?>
 <Control xmlns="http://schemas.microsoft.com/VisualStudio/2011/storyboarding/control">
-  <Id Name="System.Storyboarding.Common.DropdownBox" Revision="1" Stencil="System.Storyboarding.Common" StencilVersion="0.1"/>
+  <Id Name="System.Storyboarding.WindowsPhoneIcons.Add" Revision="1" Stencil="System.Storyboarding.WindowsPhoneIcons" StencilVersion="0.1"/>
 </Control>
 </file>
 
@@ -18466,13 +18592,13 @@
 
 <file path=customXml/item22.xml><?xml version="1.0" encoding="utf-8"?>
 <Control xmlns="http://schemas.microsoft.com/VisualStudio/2011/storyboarding/control">
-  <Id Name="System.Storyboarding.WindowsPhoneIcons.Delete" Revision="1" Stencil="System.Storyboarding.WindowsPhoneIcons" StencilVersion="0.1"/>
+  <Id Name="System.Storyboarding.Common.DataGrid" Revision="1" Stencil="System.Storyboarding.Common" StencilVersion="0.1"/>
 </Control>
 </file>
 
 <file path=customXml/item23.xml><?xml version="1.0" encoding="utf-8"?>
 <Control xmlns="http://schemas.microsoft.com/VisualStudio/2011/storyboarding/control">
-  <Id Name="System.Storyboarding.WindowsPhoneIcons.Delete" Revision="1" Stencil="System.Storyboarding.WindowsPhoneIcons" StencilVersion="0.1"/>
+  <Id Name="System.Storyboarding.Common.DropdownBox" Revision="1" Stencil="System.Storyboarding.Common" StencilVersion="0.1"/>
 </Control>
 </file>
 
@@ -18484,109 +18610,109 @@
 
 <file path=customXml/item25.xml><?xml version="1.0" encoding="utf-8"?>
 <Control xmlns="http://schemas.microsoft.com/VisualStudio/2011/storyboarding/control">
-  <Id Name="System.Storyboarding.WindowsAppIcons.Recycle" Revision="1" Stencil="System.Storyboarding.WindowsAppIcons" StencilVersion="0.1"/>
+  <Id Name="System.Storyboarding.Common.DropdownBox" Revision="1" Stencil="System.Storyboarding.Common" StencilVersion="0.1"/>
 </Control>
 </file>
 
 <file path=customXml/item26.xml><?xml version="1.0" encoding="utf-8"?>
 <Control xmlns="http://schemas.microsoft.com/VisualStudio/2011/storyboarding/control">
-  <Id Name="f7a94b64-51d6-472a-8bb4-f2cc047935d1" RevisionId="4b37df06-a36b-4383-9074-55517f1335fc" Stencil="172d6d98-e5c9-42e9-a209-79f7a94bbd38" StencilRevisionId="00000000-0000-0000-0000-000000000000" StencilVersion="0.0"/>
+  <Id Name="System.Storyboarding.WindowsPhoneIcons.Add" Revision="1" Stencil="System.Storyboarding.WindowsPhoneIcons" StencilVersion="0.1"/>
 </Control>
 </file>
 
 <file path=customXml/item27.xml><?xml version="1.0" encoding="utf-8"?>
 <Control xmlns="http://schemas.microsoft.com/VisualStudio/2011/storyboarding/control">
-  <Id Name="System.Storyboarding.WindowsAppIcons.Save" Revision="1" Stencil="System.Storyboarding.WindowsAppIcons" StencilVersion="0.1"/>
+  <Id Name="System.Storyboarding.Common.Text" Revision="1" Stencil="System.Storyboarding.Common" StencilVersion="0.1"/>
 </Control>
 </file>
 
 <file path=customXml/item28.xml><?xml version="1.0" encoding="utf-8"?>
 <Control xmlns="http://schemas.microsoft.com/VisualStudio/2011/storyboarding/control">
-  <Id Name="System.Storyboarding.Annotation.AnimatedRectangleCallout" Revision="1" Stencil="System.Storyboarding.Annotation" StencilVersion="0.1"/>
+  <Id Name="System.Storyboarding.WindowsPhoneIcons.Check" Revision="1" Stencil="System.Storyboarding.WindowsPhoneIcons" StencilVersion="0.1"/>
 </Control>
 </file>
 
 <file path=customXml/item29.xml><?xml version="1.0" encoding="utf-8"?>
 <Control xmlns="http://schemas.microsoft.com/VisualStudio/2011/storyboarding/control">
-  <Id Name="System.Storyboarding.Common.CheckBoxUnchecked" Revision="1" Stencil="System.Storyboarding.Common" StencilVersion="0.1"/>
+  <Id Name="System.Storyboarding.WindowsPhoneIcons.Back" Revision="1" Stencil="System.Storyboarding.WindowsPhoneIcons" StencilVersion="0.1"/>
 </Control>
 </file>
 
 <file path=customXml/item3.xml><?xml version="1.0" encoding="utf-8"?>
 <Control xmlns="http://schemas.microsoft.com/VisualStudio/2011/storyboarding/control">
-  <Id Name="System.Storyboarding.Common.ScrollbarVertical" Revision="1" Stencil="System.Storyboarding.Common" StencilVersion="0.1"/>
+  <Id Name="f7a94b64-51d6-472a-8bb4-f2cc047935d1" RevisionId="4b37df06-a36b-4383-9074-55517f1335fc" Stencil="172d6d98-e5c9-42e9-a209-79f7a94bbd38" StencilRevisionId="00000000-0000-0000-0000-000000000000" StencilVersion="0.0"/>
 </Control>
 </file>
 
 <file path=customXml/item30.xml><?xml version="1.0" encoding="utf-8"?>
 <Control xmlns="http://schemas.microsoft.com/VisualStudio/2011/storyboarding/control">
-  <Id Name="System.Storyboarding.Common.DropdownBox" Revision="1" Stencil="System.Storyboarding.Common" StencilVersion="0.1"/>
+  <Id Name="System.Storyboarding.Common.CheckBoxUnchecked" Revision="1" Stencil="System.Storyboarding.Common" StencilVersion="0.1"/>
 </Control>
 </file>
 
 <file path=customXml/item31.xml><?xml version="1.0" encoding="utf-8"?>
 <Control xmlns="http://schemas.microsoft.com/VisualStudio/2011/storyboarding/control">
-  <Id Name="System.Storyboarding.Common.Text" Revision="1" Stencil="System.Storyboarding.Common" StencilVersion="0.1"/>
+  <Id Name="System.Storyboarding.Common.DropdownBox" Revision="1" Stencil="System.Storyboarding.Common" StencilVersion="0.1"/>
 </Control>
 </file>
 
 <file path=customXml/item32.xml><?xml version="1.0" encoding="utf-8"?>
 <Control xmlns="http://schemas.microsoft.com/VisualStudio/2011/storyboarding/control">
-  <Id Name="System.Storyboarding.Common.DropdownBox" Revision="1" Stencil="System.Storyboarding.Common" StencilVersion="0.1"/>
+  <Id Name="System.Storyboarding.Common.DataGrid" Revision="1" Stencil="System.Storyboarding.Common" StencilVersion="0.1"/>
 </Control>
 </file>
 
 <file path=customXml/item33.xml><?xml version="1.0" encoding="utf-8"?>
 <Control xmlns="http://schemas.microsoft.com/VisualStudio/2011/storyboarding/control">
-  <Id Name="System.Storyboarding.Common.Text" Revision="1" Stencil="System.Storyboarding.Common" StencilVersion="0.1"/>
+  <Id Name="System.Storyboarding.Annotation.AnimatedRectangleCallout" Revision="1" Stencil="System.Storyboarding.Annotation" StencilVersion="0.1"/>
 </Control>
 </file>
 
 <file path=customXml/item34.xml><?xml version="1.0" encoding="utf-8"?>
 <Control xmlns="http://schemas.microsoft.com/VisualStudio/2011/storyboarding/control">
-  <Id Name="System.Storyboarding.WindowsDesktop.ContextMenu" Revision="1" Stencil="System.Storyboarding.WindowsDesktop" StencilVersion="0.1"/>
+  <Id Name="System.Storyboarding.Common.DropdownBox" Revision="1" Stencil="System.Storyboarding.Common" StencilVersion="0.1"/>
 </Control>
 </file>
 
 <file path=customXml/item35.xml><?xml version="1.0" encoding="utf-8"?>
 <Control xmlns="http://schemas.microsoft.com/VisualStudio/2011/storyboarding/control">
-  <Id Name="System.Storyboarding.Common.ScrollbarVertical" Revision="1" Stencil="System.Storyboarding.Common" StencilVersion="0.1"/>
+  <Id Name="System.Storyboarding.WindowsPhoneIcons.Delete" Revision="1" Stencil="System.Storyboarding.WindowsPhoneIcons" StencilVersion="0.1"/>
 </Control>
 </file>
 
 <file path=customXml/item36.xml><?xml version="1.0" encoding="utf-8"?>
 <Control xmlns="http://schemas.microsoft.com/VisualStudio/2011/storyboarding/control">
-  <Id Name="System.Storyboarding.Common.ScrollbarVertical" Revision="1" Stencil="System.Storyboarding.Common" StencilVersion="0.1"/>
+  <Id Name="System.Storyboarding.WindowsAppIcons.Save" Revision="1" Stencil="System.Storyboarding.WindowsAppIcons" StencilVersion="0.1"/>
 </Control>
 </file>
 
 <file path=customXml/item37.xml><?xml version="1.0" encoding="utf-8"?>
 <Control xmlns="http://schemas.microsoft.com/VisualStudio/2011/storyboarding/control">
-  <Id Name="System.Storyboarding.Common.DataGrid" Revision="1" Stencil="System.Storyboarding.Common" StencilVersion="0.1"/>
+  <Id Name="System.Storyboarding.Common.DropdownBox" Revision="1" Stencil="System.Storyboarding.Common" StencilVersion="0.1"/>
 </Control>
 </file>
 
 <file path=customXml/item38.xml><?xml version="1.0" encoding="utf-8"?>
 <Control xmlns="http://schemas.microsoft.com/VisualStudio/2011/storyboarding/control">
-  <Id Name="System.Storyboarding.Common.DropdownBox" Revision="1" Stencil="System.Storyboarding.Common" StencilVersion="0.1"/>
+  <Id Name="System.Storyboarding.Common.ScrollbarVertical" Revision="1" Stencil="System.Storyboarding.Common" StencilVersion="0.1"/>
 </Control>
 </file>
 
 <file path=customXml/item39.xml><?xml version="1.0" encoding="utf-8"?>
 <Control xmlns="http://schemas.microsoft.com/VisualStudio/2011/storyboarding/control">
-  <Id Name="System.Storyboarding.Common.CheckBoxChecked" Revision="1" Stencil="System.Storyboarding.Common" StencilVersion="0.1"/>
+  <Id Name="System.Storyboarding.WindowsPhoneIcons.Delete" Revision="1" Stencil="System.Storyboarding.WindowsPhoneIcons" StencilVersion="0.1"/>
 </Control>
 </file>
 
 <file path=customXml/item4.xml><?xml version="1.0" encoding="utf-8"?>
 <Control xmlns="http://schemas.microsoft.com/VisualStudio/2011/storyboarding/control">
-  <Id Name="System.Storyboarding.Common.DataGrid" Revision="1" Stencil="System.Storyboarding.Common" StencilVersion="0.1"/>
+  <Id Name="System.Storyboarding.Common.CheckBoxChecked" Revision="1" Stencil="System.Storyboarding.Common" StencilVersion="0.1"/>
 </Control>
 </file>
 
 <file path=customXml/item40.xml><?xml version="1.0" encoding="utf-8"?>
 <Control xmlns="http://schemas.microsoft.com/VisualStudio/2011/storyboarding/control">
-  <Id Name="System.Storyboarding.Common.DropdownBox" Revision="1" Stencil="System.Storyboarding.Common" StencilVersion="0.1"/>
+  <Id Name="System.Storyboarding.WindowsAppIcons.Recycle" Revision="1" Stencil="System.Storyboarding.WindowsAppIcons" StencilVersion="0.1"/>
 </Control>
 </file>
 
@@ -18598,25 +18724,25 @@
 
 <file path=customXml/item42.xml><?xml version="1.0" encoding="utf-8"?>
 <Control xmlns="http://schemas.microsoft.com/VisualStudio/2011/storyboarding/control">
-  <Id Name="System.Storyboarding.Common.DropdownBox" Revision="1" Stencil="System.Storyboarding.Common" StencilVersion="0.1"/>
+  <Id Name="System.Storyboarding.WindowsDesktop.ContextMenu" Revision="1" Stencil="System.Storyboarding.WindowsDesktop" StencilVersion="0.1"/>
 </Control>
 </file>
 
 <file path=customXml/item43.xml><?xml version="1.0" encoding="utf-8"?>
 <Control xmlns="http://schemas.microsoft.com/VisualStudio/2011/storyboarding/control">
-  <Id Name="System.Storyboarding.WindowsPhoneIcons.Delete" Revision="1" Stencil="System.Storyboarding.WindowsPhoneIcons" StencilVersion="0.1"/>
+  <Id Name="System.Storyboarding.Common.TextInput" Revision="1" Stencil="System.Storyboarding.Common" StencilVersion="0.1"/>
 </Control>
 </file>
 
 <file path=customXml/item44.xml><?xml version="1.0" encoding="utf-8"?>
 <Control xmlns="http://schemas.microsoft.com/VisualStudio/2011/storyboarding/control">
-  <Id Name="System.Storyboarding.WindowsPhoneIcons.Delete" Revision="1" Stencil="System.Storyboarding.WindowsPhoneIcons" StencilVersion="0.1"/>
+  <Id Name="System.Storyboarding.Annotation.AnimatedRectangleCallout" Revision="1" Stencil="System.Storyboarding.Annotation" StencilVersion="0.1"/>
 </Control>
 </file>
 
 <file path=customXml/item45.xml><?xml version="1.0" encoding="utf-8"?>
 <Control xmlns="http://schemas.microsoft.com/VisualStudio/2011/storyboarding/control">
-  <Id Name="System.Storyboarding.WindowsPhoneIcons.Add" Revision="1" Stencil="System.Storyboarding.WindowsPhoneIcons" StencilVersion="0.1"/>
+  <Id Name="System.Storyboarding.Annotation.AnimatedRectangleCallout" Revision="1" Stencil="System.Storyboarding.Annotation" StencilVersion="0.1"/>
 </Control>
 </file>
 
@@ -18628,43 +18754,43 @@
 
 <file path=customXml/item47.xml><?xml version="1.0" encoding="utf-8"?>
 <Control xmlns="http://schemas.microsoft.com/VisualStudio/2011/storyboarding/control">
-  <Id Name="System.Storyboarding.Common.ScrollbarVertical" Revision="1" Stencil="System.Storyboarding.Common" StencilVersion="0.1"/>
+  <Id Name="System.Storyboarding.Common.Text" Revision="1" Stencil="System.Storyboarding.Common" StencilVersion="0.1"/>
 </Control>
 </file>
 
 <file path=customXml/item48.xml><?xml version="1.0" encoding="utf-8"?>
 <Control xmlns="http://schemas.microsoft.com/VisualStudio/2011/storyboarding/control">
-  <Id Name="System.Storyboarding.WindowsAppIcons.Recycle" Revision="1" Stencil="System.Storyboarding.WindowsAppIcons" StencilVersion="0.1"/>
+  <Id Name="System.Storyboarding.Common.ScrollbarVertical" Revision="1" Stencil="System.Storyboarding.Common" StencilVersion="0.1"/>
 </Control>
 </file>
 
 <file path=customXml/item49.xml><?xml version="1.0" encoding="utf-8"?>
 <Control xmlns="http://schemas.microsoft.com/VisualStudio/2011/storyboarding/control">
-  <Id Name="f7a94b64-51d6-472a-8bb4-f2cc047935d1" RevisionId="4b37df06-a36b-4383-9074-55517f1335fc" Stencil="172d6d98-e5c9-42e9-a209-79f7a94bbd38" StencilRevisionId="00000000-0000-0000-0000-000000000000" StencilVersion="0.0"/>
+  <Id Name="System.Storyboarding.Common.TabGroup" Revision="1" Stencil="System.Storyboarding.Common" StencilVersion="0.1"/>
 </Control>
 </file>
 
 <file path=customXml/item5.xml><?xml version="1.0" encoding="utf-8"?>
 <Control xmlns="http://schemas.microsoft.com/VisualStudio/2011/storyboarding/control">
-  <Id Name="System.Storyboarding.WindowsPhoneIcons.Back" Revision="1" Stencil="System.Storyboarding.WindowsPhoneIcons" StencilVersion="0.1"/>
+  <Id Name="System.Storyboarding.Common.DropdownBox" Revision="1" Stencil="System.Storyboarding.Common" StencilVersion="0.1"/>
 </Control>
 </file>
 
 <file path=customXml/item50.xml><?xml version="1.0" encoding="utf-8"?>
 <Control xmlns="http://schemas.microsoft.com/VisualStudio/2011/storyboarding/control">
-  <Id Name="System.Storyboarding.WindowsAppIcons.Save" Revision="1" Stencil="System.Storyboarding.WindowsAppIcons" StencilVersion="0.1"/>
+  <Id Name="System.Storyboarding.Common.DropdownBox" Revision="1" Stencil="System.Storyboarding.Common" StencilVersion="0.1"/>
 </Control>
 </file>
 
 <file path=customXml/item51.xml><?xml version="1.0" encoding="utf-8"?>
 <Control xmlns="http://schemas.microsoft.com/VisualStudio/2011/storyboarding/control">
-  <Id Name="System.Storyboarding.Common.CheckBoxUnchecked" Revision="1" Stencil="System.Storyboarding.Common" StencilVersion="0.1"/>
+  <Id Name="System.Storyboarding.WindowsAppIcons.Recycle" Revision="1" Stencil="System.Storyboarding.WindowsAppIcons" StencilVersion="0.1"/>
 </Control>
 </file>
 
 <file path=customXml/item52.xml><?xml version="1.0" encoding="utf-8"?>
 <Control xmlns="http://schemas.microsoft.com/VisualStudio/2011/storyboarding/control">
-  <Id Name="System.Storyboarding.Common.CheckBoxChecked" Revision="1" Stencil="System.Storyboarding.Common" StencilVersion="0.1"/>
+  <Id Name="System.Storyboarding.Common.Text" Revision="1" Stencil="System.Storyboarding.Common" StencilVersion="0.1"/>
 </Control>
 </file>
 
@@ -18682,115 +18808,115 @@
 
 <file path=customXml/item55.xml><?xml version="1.0" encoding="utf-8"?>
 <Control xmlns="http://schemas.microsoft.com/VisualStudio/2011/storyboarding/control">
-  <Id Name="System.Storyboarding.Common.CheckBoxChecked" Revision="1" Stencil="System.Storyboarding.Common" StencilVersion="0.1"/>
+  <Id Name="System.Storyboarding.Common.DropdownBox" Revision="1" Stencil="System.Storyboarding.Common" StencilVersion="0.1"/>
 </Control>
 </file>
 
 <file path=customXml/item56.xml><?xml version="1.0" encoding="utf-8"?>
 <Control xmlns="http://schemas.microsoft.com/VisualStudio/2011/storyboarding/control">
-  <Id Name="System.Storyboarding.Common.DropdownBox" Revision="1" Stencil="System.Storyboarding.Common" StencilVersion="0.1"/>
+  <Id Name="System.Storyboarding.Common.TextInput" Revision="1" Stencil="System.Storyboarding.Common" StencilVersion="0.1"/>
 </Control>
 </file>
 
 <file path=customXml/item57.xml><?xml version="1.0" encoding="utf-8"?>
 <Control xmlns="http://schemas.microsoft.com/VisualStudio/2011/storyboarding/control">
-  <Id Name="System.Storyboarding.WindowsPhoneIcons.Delete" Revision="1" Stencil="System.Storyboarding.WindowsPhoneIcons" StencilVersion="0.1"/>
+  <Id Name="System.Storyboarding.Common.DropdownBox" Revision="1" Stencil="System.Storyboarding.Common" StencilVersion="0.1"/>
 </Control>
 </file>
 
 <file path=customXml/item58.xml><?xml version="1.0" encoding="utf-8"?>
 <Control xmlns="http://schemas.microsoft.com/VisualStudio/2011/storyboarding/control">
-  <Id Name="System.Storyboarding.WindowsPhoneIcons.Add" Revision="1" Stencil="System.Storyboarding.WindowsPhoneIcons" StencilVersion="0.1"/>
+  <Id Name="System.Storyboarding.Common.DropdownBox" Revision="1" Stencil="System.Storyboarding.Common" StencilVersion="0.1"/>
 </Control>
 </file>
 
 <file path=customXml/item59.xml><?xml version="1.0" encoding="utf-8"?>
 <Control xmlns="http://schemas.microsoft.com/VisualStudio/2011/storyboarding/control">
-  <Id Name="System.Storyboarding.Common.DropdownBox" Revision="1" Stencil="System.Storyboarding.Common" StencilVersion="0.1"/>
+  <Id Name="System.Storyboarding.Common.CheckBoxUnchecked" Revision="1" Stencil="System.Storyboarding.Common" StencilVersion="0.1"/>
 </Control>
 </file>
 
 <file path=customXml/item6.xml><?xml version="1.0" encoding="utf-8"?>
 <Control xmlns="http://schemas.microsoft.com/VisualStudio/2011/storyboarding/control">
-  <Id Name="System.Storyboarding.WindowsPhoneIcons.Back" Revision="1" Stencil="System.Storyboarding.WindowsPhoneIcons" StencilVersion="0.1"/>
+  <Id Name="System.Storyboarding.WindowsDesktop.ContextMenu" Revision="1" Stencil="System.Storyboarding.WindowsDesktop" StencilVersion="0.1"/>
 </Control>
 </file>
 
 <file path=customXml/item60.xml><?xml version="1.0" encoding="utf-8"?>
 <Control xmlns="http://schemas.microsoft.com/VisualStudio/2011/storyboarding/control">
-  <Id Name="System.Storyboarding.Common.CheckBoxChecked" Revision="1" Stencil="System.Storyboarding.Common" StencilVersion="0.1"/>
+  <Id Name="System.Storyboarding.Common.DropdownBox" Revision="1" Stencil="System.Storyboarding.Common" StencilVersion="0.1"/>
 </Control>
 </file>
 
 <file path=customXml/item61.xml><?xml version="1.0" encoding="utf-8"?>
 <Control xmlns="http://schemas.microsoft.com/VisualStudio/2011/storyboarding/control">
-  <Id Name="System.Storyboarding.Common.CheckBoxUnchecked" Revision="1" Stencil="System.Storyboarding.Common" StencilVersion="0.1"/>
+  <Id Name="System.Storyboarding.Common.Text" Revision="1" Stencil="System.Storyboarding.Common" StencilVersion="0.1"/>
 </Control>
 </file>
 
 <file path=customXml/item62.xml><?xml version="1.0" encoding="utf-8"?>
 <Control xmlns="http://schemas.microsoft.com/VisualStudio/2011/storyboarding/control">
-  <Id Name="System.Storyboarding.Common.DropdownBox" Revision="1" Stencil="System.Storyboarding.Common" StencilVersion="0.1"/>
+  <Id Name="System.Storyboarding.WindowsPhoneIcons.Cancel" Revision="1" Stencil="System.Storyboarding.WindowsPhoneIcons" StencilVersion="0.1"/>
 </Control>
 </file>
 
 <file path=customXml/item63.xml><?xml version="1.0" encoding="utf-8"?>
 <Control xmlns="http://schemas.microsoft.com/VisualStudio/2011/storyboarding/control">
-  <Id Name="System.Storyboarding.WindowsPhoneIcons.Delete" Revision="1" Stencil="System.Storyboarding.WindowsPhoneIcons" StencilVersion="0.1"/>
+  <Id Name="System.Storyboarding.WindowsPhoneIcons.Back" Revision="1" Stencil="System.Storyboarding.WindowsPhoneIcons" StencilVersion="0.1"/>
 </Control>
 </file>
 
 <file path=customXml/item64.xml><?xml version="1.0" encoding="utf-8"?>
 <Control xmlns="http://schemas.microsoft.com/VisualStudio/2011/storyboarding/control">
-  <Id Name="System.Storyboarding.WindowsDesktop.ContextMenu" Revision="1" Stencil="System.Storyboarding.WindowsDesktop" StencilVersion="0.1"/>
+  <Id Name="System.Storyboarding.WindowsPhoneIcons.Back" Revision="1" Stencil="System.Storyboarding.WindowsPhoneIcons" StencilVersion="0.1"/>
 </Control>
 </file>
 
 <file path=customXml/item65.xml><?xml version="1.0" encoding="utf-8"?>
 <Control xmlns="http://schemas.microsoft.com/VisualStudio/2011/storyboarding/control">
-  <Id Name="System.Storyboarding.Common.TabGroup" Revision="1" Stencil="System.Storyboarding.Common" StencilVersion="0.1"/>
+  <Id Name="System.Storyboarding.Common.Text" Revision="1" Stencil="System.Storyboarding.Common" StencilVersion="0.1"/>
 </Control>
 </file>
 
 <file path=customXml/item66.xml><?xml version="1.0" encoding="utf-8"?>
 <Control xmlns="http://schemas.microsoft.com/VisualStudio/2011/storyboarding/control">
-  <Id Name="System.Storyboarding.Common.Text" Revision="1" Stencil="System.Storyboarding.Common" StencilVersion="0.1"/>
+  <Id Name="System.Storyboarding.WindowsPhoneIcons.Delete" Revision="1" Stencil="System.Storyboarding.WindowsPhoneIcons" StencilVersion="0.1"/>
 </Control>
 </file>
 
 <file path=customXml/item67.xml><?xml version="1.0" encoding="utf-8"?>
 <Control xmlns="http://schemas.microsoft.com/VisualStudio/2011/storyboarding/control">
-  <Id Name="System.Storyboarding.Common.TextInput" Revision="1" Stencil="System.Storyboarding.Common" StencilVersion="0.1"/>
+  <Id Name="System.Storyboarding.Annotation.AnimatedRectangleCallout" Revision="1" Stencil="System.Storyboarding.Annotation" StencilVersion="0.1"/>
 </Control>
 </file>
 
 <file path=customXml/item68.xml><?xml version="1.0" encoding="utf-8"?>
 <Control xmlns="http://schemas.microsoft.com/VisualStudio/2011/storyboarding/control">
-  <Id Name="System.Storyboarding.Common.Text" Revision="1" Stencil="System.Storyboarding.Common" StencilVersion="0.1"/>
+  <Id Name="System.Storyboarding.Common.ScrollbarVertical" Revision="1" Stencil="System.Storyboarding.Common" StencilVersion="0.1"/>
 </Control>
 </file>
 
 <file path=customXml/item69.xml><?xml version="1.0" encoding="utf-8"?>
 <Control xmlns="http://schemas.microsoft.com/VisualStudio/2011/storyboarding/control">
-  <Id Name="System.Storyboarding.Common.TextInput" Revision="1" Stencil="System.Storyboarding.Common" StencilVersion="0.1"/>
+  <Id Name="f7a94b64-51d6-472a-8bb4-f2cc047935d1" RevisionId="4b37df06-a36b-4383-9074-55517f1335fc" Stencil="172d6d98-e5c9-42e9-a209-79f7a94bbd38" StencilRevisionId="00000000-0000-0000-0000-000000000000" StencilVersion="0.0"/>
 </Control>
 </file>
 
 <file path=customXml/item7.xml><?xml version="1.0" encoding="utf-8"?>
 <Control xmlns="http://schemas.microsoft.com/VisualStudio/2011/storyboarding/control">
-  <Id Name="System.Storyboarding.WindowsPhoneIcons.Back" Revision="1" Stencil="System.Storyboarding.WindowsPhoneIcons" StencilVersion="0.1"/>
+  <Id Name="System.Storyboarding.Common.DropdownBox" Revision="1" Stencil="System.Storyboarding.Common" StencilVersion="0.1"/>
 </Control>
 </file>
 
 <file path=customXml/item70.xml><?xml version="1.0" encoding="utf-8"?>
 <Control xmlns="http://schemas.microsoft.com/VisualStudio/2011/storyboarding/control">
-  <Id Name="System.Storyboarding.Common.Text" Revision="1" Stencil="System.Storyboarding.Common" StencilVersion="0.1"/>
+  <Id Name="System.Storyboarding.WindowsPhoneIcons.Delete" Revision="1" Stencil="System.Storyboarding.WindowsPhoneIcons" StencilVersion="0.1"/>
 </Control>
 </file>
 
 <file path=customXml/item71.xml><?xml version="1.0" encoding="utf-8"?>
 <Control xmlns="http://schemas.microsoft.com/VisualStudio/2011/storyboarding/control">
-  <Id Name="System.Storyboarding.Common.TextInput" Revision="1" Stencil="System.Storyboarding.Common" StencilVersion="0.1"/>
+  <Id Name="System.Storyboarding.Annotation.AnimatedRectangleCallout" Revision="1" Stencil="System.Storyboarding.Annotation" StencilVersion="0.1"/>
 </Control>
 </file>
 
@@ -18802,31 +18928,31 @@
 
 <file path=customXml/item73.xml><?xml version="1.0" encoding="utf-8"?>
 <Control xmlns="http://schemas.microsoft.com/VisualStudio/2011/storyboarding/control">
-  <Id Name="System.Storyboarding.Common.DropdownBox" Revision="1" Stencil="System.Storyboarding.Common" StencilVersion="0.1"/>
+  <Id Name="System.Storyboarding.WindowsPhoneIcons.Delete" Revision="1" Stencil="System.Storyboarding.WindowsPhoneIcons" StencilVersion="0.1"/>
 </Control>
 </file>
 
 <file path=customXml/item74.xml><?xml version="1.0" encoding="utf-8"?>
 <Control xmlns="http://schemas.microsoft.com/VisualStudio/2011/storyboarding/control">
-  <Id Name="System.Storyboarding.WindowsPhoneIcons.Check" Revision="1" Stencil="System.Storyboarding.WindowsPhoneIcons" StencilVersion="0.1"/>
+  <Id Name="System.Storyboarding.Common.CheckBoxChecked" Revision="1" Stencil="System.Storyboarding.Common" StencilVersion="0.1"/>
 </Control>
 </file>
 
 <file path=customXml/item75.xml><?xml version="1.0" encoding="utf-8"?>
 <Control xmlns="http://schemas.microsoft.com/VisualStudio/2011/storyboarding/control">
-  <Id Name="System.Storyboarding.WindowsPhoneIcons.Cancel" Revision="1" Stencil="System.Storyboarding.WindowsPhoneIcons" StencilVersion="0.1"/>
+  <Id Name="System.Storyboarding.Common.CheckBoxChecked" Revision="1" Stencil="System.Storyboarding.Common" StencilVersion="0.1"/>
 </Control>
 </file>
 
 <file path=customXml/item76.xml><?xml version="1.0" encoding="utf-8"?>
 <Control xmlns="http://schemas.microsoft.com/VisualStudio/2011/storyboarding/control">
-  <Id Name="System.Storyboarding.Annotation.AnimatedRectangleCallout" Revision="1" Stencil="System.Storyboarding.Annotation" StencilVersion="0.1"/>
+  <Id Name="System.Storyboarding.Common.TabGroup" Revision="1" Stencil="System.Storyboarding.Common" StencilVersion="0.1"/>
 </Control>
 </file>
 
 <file path=customXml/item77.xml><?xml version="1.0" encoding="utf-8"?>
 <Control xmlns="http://schemas.microsoft.com/VisualStudio/2011/storyboarding/control">
-  <Id Name="System.Storyboarding.Annotation.AnimatedRectangleCallout" Revision="1" Stencil="System.Storyboarding.Annotation" StencilVersion="0.1"/>
+  <Id Name="System.Storyboarding.Common.DropdownBox" Revision="1" Stencil="System.Storyboarding.Common" StencilVersion="0.1"/>
 </Control>
 </file>
 
@@ -18836,19 +18962,497 @@
 </Control>
 </file>
 
-<file path=customXml/item8.xml><?xml version="1.0" encoding="utf-8"?>
+<file path=customXml/item79.xml><?xml version="1.0" encoding="utf-8"?>
 <Control xmlns="http://schemas.microsoft.com/VisualStudio/2011/storyboarding/control">
   <Id Name="System.Storyboarding.Annotation.AnimatedRectangleCallout" Revision="1" Stencil="System.Storyboarding.Annotation" StencilVersion="0.1"/>
 </Control>
 </file>
 
+<file path=customXml/item8.xml><?xml version="1.0" encoding="utf-8"?>
+<Control xmlns="http://schemas.microsoft.com/VisualStudio/2011/storyboarding/control">
+  <Id Name="System.Storyboarding.Common.ScrollbarVertical" Revision="1" Stencil="System.Storyboarding.Common" StencilVersion="0.1"/>
+</Control>
+</file>
+
 <file path=customXml/item9.xml><?xml version="1.0" encoding="utf-8"?>
 <Control xmlns="http://schemas.microsoft.com/VisualStudio/2011/storyboarding/control">
-  <Id Name="System.Storyboarding.Annotation.AnimatedRectangleCallout" Revision="1" Stencil="System.Storyboarding.Annotation" StencilVersion="0.1"/>
+  <Id Name="System.Storyboarding.WindowsAppIcons.Save" Revision="1" Stencil="System.Storyboarding.WindowsAppIcons" StencilVersion="0.1"/>
 </Control>
 </file>
 
 <file path=customXml/itemProps1.xml><?xml version="1.0" encoding="utf-8"?>
+<ds:datastoreItem xmlns:ds="http://schemas.openxmlformats.org/officeDocument/2006/customXml" ds:itemID="{9B90AF42-738E-4DAB-ACE8-CCB1F8941045}">
+  <ds:schemaRefs>
+    <ds:schemaRef ds:uri="http://schemas.microsoft.com/VisualStudio/2011/storyboarding/control"/>
+  </ds:schemaRefs>
+</ds:datastoreItem>
+</file>
+
+<file path=customXml/itemProps10.xml><?xml version="1.0" encoding="utf-8"?>
+<ds:datastoreItem xmlns:ds="http://schemas.openxmlformats.org/officeDocument/2006/customXml" ds:itemID="{5A69B6D5-1C17-4F38-AD3D-EA3B8E90FC76}">
+  <ds:schemaRefs>
+    <ds:schemaRef ds:uri="http://schemas.microsoft.com/VisualStudio/2011/storyboarding/control"/>
+  </ds:schemaRefs>
+</ds:datastoreItem>
+</file>
+
+<file path=customXml/itemProps11.xml><?xml version="1.0" encoding="utf-8"?>
+<ds:datastoreItem xmlns:ds="http://schemas.openxmlformats.org/officeDocument/2006/customXml" ds:itemID="{F0AA29E4-2C73-4269-A925-7A264641F991}">
+  <ds:schemaRefs>
+    <ds:schemaRef ds:uri="http://schemas.microsoft.com/VisualStudio/2011/storyboarding/control"/>
+  </ds:schemaRefs>
+</ds:datastoreItem>
+</file>
+
+<file path=customXml/itemProps12.xml><?xml version="1.0" encoding="utf-8"?>
+<ds:datastoreItem xmlns:ds="http://schemas.openxmlformats.org/officeDocument/2006/customXml" ds:itemID="{61BBF0A8-80F8-404F-B8B2-B3FD61CA0643}">
+  <ds:schemaRefs>
+    <ds:schemaRef ds:uri="http://schemas.microsoft.com/VisualStudio/2011/storyboarding/control"/>
+  </ds:schemaRefs>
+</ds:datastoreItem>
+</file>
+
+<file path=customXml/itemProps13.xml><?xml version="1.0" encoding="utf-8"?>
+<ds:datastoreItem xmlns:ds="http://schemas.openxmlformats.org/officeDocument/2006/customXml" ds:itemID="{D6ADB753-2DA9-4E6A-8174-F168435E5C53}">
+  <ds:schemaRefs>
+    <ds:schemaRef ds:uri="http://schemas.microsoft.com/VisualStudio/2011/storyboarding/control"/>
+  </ds:schemaRefs>
+</ds:datastoreItem>
+</file>
+
+<file path=customXml/itemProps14.xml><?xml version="1.0" encoding="utf-8"?>
+<ds:datastoreItem xmlns:ds="http://schemas.openxmlformats.org/officeDocument/2006/customXml" ds:itemID="{FBFDF59E-5209-4231-BC97-B02E1DEADAD3}">
+  <ds:schemaRefs>
+    <ds:schemaRef ds:uri="http://schemas.microsoft.com/VisualStudio/2011/storyboarding/control"/>
+  </ds:schemaRefs>
+</ds:datastoreItem>
+</file>
+
+<file path=customXml/itemProps15.xml><?xml version="1.0" encoding="utf-8"?>
+<ds:datastoreItem xmlns:ds="http://schemas.openxmlformats.org/officeDocument/2006/customXml" ds:itemID="{DA6EF944-4FDE-4E5E-829E-2C2EEA31CCC0}">
+  <ds:schemaRefs>
+    <ds:schemaRef ds:uri="http://schemas.microsoft.com/VisualStudio/2011/storyboarding/control"/>
+  </ds:schemaRefs>
+</ds:datastoreItem>
+</file>
+
+<file path=customXml/itemProps16.xml><?xml version="1.0" encoding="utf-8"?>
+<ds:datastoreItem xmlns:ds="http://schemas.openxmlformats.org/officeDocument/2006/customXml" ds:itemID="{F772822B-B66F-4801-9539-459C08341CE0}">
+  <ds:schemaRefs>
+    <ds:schemaRef ds:uri="http://schemas.microsoft.com/VisualStudio/2011/storyboarding/control"/>
+  </ds:schemaRefs>
+</ds:datastoreItem>
+</file>
+
+<file path=customXml/itemProps17.xml><?xml version="1.0" encoding="utf-8"?>
+<ds:datastoreItem xmlns:ds="http://schemas.openxmlformats.org/officeDocument/2006/customXml" ds:itemID="{9C5E04D0-75D2-489D-9F06-CBBCED4CD202}">
+  <ds:schemaRefs>
+    <ds:schemaRef ds:uri="http://schemas.microsoft.com/VisualStudio/2011/storyboarding/control"/>
+  </ds:schemaRefs>
+</ds:datastoreItem>
+</file>
+
+<file path=customXml/itemProps18.xml><?xml version="1.0" encoding="utf-8"?>
+<ds:datastoreItem xmlns:ds="http://schemas.openxmlformats.org/officeDocument/2006/customXml" ds:itemID="{D2A2A464-07D6-4310-90DA-BFF5D5D85A9C}">
+  <ds:schemaRefs>
+    <ds:schemaRef ds:uri="http://schemas.microsoft.com/VisualStudio/2011/storyboarding/control"/>
+  </ds:schemaRefs>
+</ds:datastoreItem>
+</file>
+
+<file path=customXml/itemProps19.xml><?xml version="1.0" encoding="utf-8"?>
+<ds:datastoreItem xmlns:ds="http://schemas.openxmlformats.org/officeDocument/2006/customXml" ds:itemID="{6D889637-CE82-47A2-BFC9-B148BB4A6AA5}">
+  <ds:schemaRefs>
+    <ds:schemaRef ds:uri="http://schemas.microsoft.com/VisualStudio/2011/storyboarding/control"/>
+  </ds:schemaRefs>
+</ds:datastoreItem>
+</file>
+
+<file path=customXml/itemProps2.xml><?xml version="1.0" encoding="utf-8"?>
+<ds:datastoreItem xmlns:ds="http://schemas.openxmlformats.org/officeDocument/2006/customXml" ds:itemID="{AB9EFE74-1EC6-40FC-8E3B-FE6FC26D22C1}">
+  <ds:schemaRefs>
+    <ds:schemaRef ds:uri="http://schemas.microsoft.com/VisualStudio/2011/storyboarding/control"/>
+  </ds:schemaRefs>
+</ds:datastoreItem>
+</file>
+
+<file path=customXml/itemProps20.xml><?xml version="1.0" encoding="utf-8"?>
+<ds:datastoreItem xmlns:ds="http://schemas.openxmlformats.org/officeDocument/2006/customXml" ds:itemID="{EFDC721D-1583-46FB-8339-24B4E41862F8}">
+  <ds:schemaRefs>
+    <ds:schemaRef ds:uri="http://schemas.microsoft.com/VisualStudio/2011/storyboarding/control"/>
+  </ds:schemaRefs>
+</ds:datastoreItem>
+</file>
+
+<file path=customXml/itemProps21.xml><?xml version="1.0" encoding="utf-8"?>
+<ds:datastoreItem xmlns:ds="http://schemas.openxmlformats.org/officeDocument/2006/customXml" ds:itemID="{544C176B-5C32-4DFB-8E24-04F967F3D6D0}">
+  <ds:schemaRefs>
+    <ds:schemaRef ds:uri="http://schemas.microsoft.com/VisualStudio/2011/storyboarding/control"/>
+  </ds:schemaRefs>
+</ds:datastoreItem>
+</file>
+
+<file path=customXml/itemProps22.xml><?xml version="1.0" encoding="utf-8"?>
+<ds:datastoreItem xmlns:ds="http://schemas.openxmlformats.org/officeDocument/2006/customXml" ds:itemID="{F72BA43E-B732-4C31-BBC2-E6FB1DC3CF77}">
+  <ds:schemaRefs>
+    <ds:schemaRef ds:uri="http://schemas.microsoft.com/VisualStudio/2011/storyboarding/control"/>
+  </ds:schemaRefs>
+</ds:datastoreItem>
+</file>
+
+<file path=customXml/itemProps23.xml><?xml version="1.0" encoding="utf-8"?>
+<ds:datastoreItem xmlns:ds="http://schemas.openxmlformats.org/officeDocument/2006/customXml" ds:itemID="{F02DEDDE-424E-4377-B2D8-98848BFA8E3F}">
+  <ds:schemaRefs>
+    <ds:schemaRef ds:uri="http://schemas.microsoft.com/VisualStudio/2011/storyboarding/control"/>
+  </ds:schemaRefs>
+</ds:datastoreItem>
+</file>
+
+<file path=customXml/itemProps24.xml><?xml version="1.0" encoding="utf-8"?>
+<ds:datastoreItem xmlns:ds="http://schemas.openxmlformats.org/officeDocument/2006/customXml" ds:itemID="{6D2217E0-B1FB-44D4-A470-7C2F0FCD87A6}">
+  <ds:schemaRefs>
+    <ds:schemaRef ds:uri="http://schemas.microsoft.com/VisualStudio/2011/storyboarding/control"/>
+  </ds:schemaRefs>
+</ds:datastoreItem>
+</file>
+
+<file path=customXml/itemProps25.xml><?xml version="1.0" encoding="utf-8"?>
+<ds:datastoreItem xmlns:ds="http://schemas.openxmlformats.org/officeDocument/2006/customXml" ds:itemID="{523E0204-A24C-4040-80EE-956850DFBC33}">
+  <ds:schemaRefs>
+    <ds:schemaRef ds:uri="http://schemas.microsoft.com/VisualStudio/2011/storyboarding/control"/>
+  </ds:schemaRefs>
+</ds:datastoreItem>
+</file>
+
+<file path=customXml/itemProps26.xml><?xml version="1.0" encoding="utf-8"?>
+<ds:datastoreItem xmlns:ds="http://schemas.openxmlformats.org/officeDocument/2006/customXml" ds:itemID="{7EEFD11C-B423-4472-9654-7707CDD1F3D4}">
+  <ds:schemaRefs>
+    <ds:schemaRef ds:uri="http://schemas.microsoft.com/VisualStudio/2011/storyboarding/control"/>
+  </ds:schemaRefs>
+</ds:datastoreItem>
+</file>
+
+<file path=customXml/itemProps27.xml><?xml version="1.0" encoding="utf-8"?>
+<ds:datastoreItem xmlns:ds="http://schemas.openxmlformats.org/officeDocument/2006/customXml" ds:itemID="{1101AA61-8566-43F7-A26A-0219EF045456}">
+  <ds:schemaRefs>
+    <ds:schemaRef ds:uri="http://schemas.microsoft.com/VisualStudio/2011/storyboarding/control"/>
+  </ds:schemaRefs>
+</ds:datastoreItem>
+</file>
+
+<file path=customXml/itemProps28.xml><?xml version="1.0" encoding="utf-8"?>
+<ds:datastoreItem xmlns:ds="http://schemas.openxmlformats.org/officeDocument/2006/customXml" ds:itemID="{E4556289-A319-4EAC-905E-961CE4BC0AEC}">
+  <ds:schemaRefs>
+    <ds:schemaRef ds:uri="http://schemas.microsoft.com/VisualStudio/2011/storyboarding/control"/>
+  </ds:schemaRefs>
+</ds:datastoreItem>
+</file>
+
+<file path=customXml/itemProps29.xml><?xml version="1.0" encoding="utf-8"?>
+<ds:datastoreItem xmlns:ds="http://schemas.openxmlformats.org/officeDocument/2006/customXml" ds:itemID="{71F7CEB8-C4A9-4CDF-BA8B-3536AD89973B}">
+  <ds:schemaRefs>
+    <ds:schemaRef ds:uri="http://schemas.microsoft.com/VisualStudio/2011/storyboarding/control"/>
+  </ds:schemaRefs>
+</ds:datastoreItem>
+</file>
+
+<file path=customXml/itemProps3.xml><?xml version="1.0" encoding="utf-8"?>
+<ds:datastoreItem xmlns:ds="http://schemas.openxmlformats.org/officeDocument/2006/customXml" ds:itemID="{33332124-4E33-4C45-A8A2-D7FB53871042}">
+  <ds:schemaRefs>
+    <ds:schemaRef ds:uri="http://schemas.microsoft.com/VisualStudio/2011/storyboarding/control"/>
+  </ds:schemaRefs>
+</ds:datastoreItem>
+</file>
+
+<file path=customXml/itemProps30.xml><?xml version="1.0" encoding="utf-8"?>
+<ds:datastoreItem xmlns:ds="http://schemas.openxmlformats.org/officeDocument/2006/customXml" ds:itemID="{5C4F4364-7285-40AE-9DCC-3FCE849ED0F8}">
+  <ds:schemaRefs>
+    <ds:schemaRef ds:uri="http://schemas.microsoft.com/VisualStudio/2011/storyboarding/control"/>
+  </ds:schemaRefs>
+</ds:datastoreItem>
+</file>
+
+<file path=customXml/itemProps31.xml><?xml version="1.0" encoding="utf-8"?>
+<ds:datastoreItem xmlns:ds="http://schemas.openxmlformats.org/officeDocument/2006/customXml" ds:itemID="{93B811E8-CB9E-408C-A8B4-319609757437}">
+  <ds:schemaRefs>
+    <ds:schemaRef ds:uri="http://schemas.microsoft.com/VisualStudio/2011/storyboarding/control"/>
+  </ds:schemaRefs>
+</ds:datastoreItem>
+</file>
+
+<file path=customXml/itemProps32.xml><?xml version="1.0" encoding="utf-8"?>
+<ds:datastoreItem xmlns:ds="http://schemas.openxmlformats.org/officeDocument/2006/customXml" ds:itemID="{E579A474-9DAA-441F-BAD0-A4607E2C96D6}">
+  <ds:schemaRefs>
+    <ds:schemaRef ds:uri="http://schemas.microsoft.com/VisualStudio/2011/storyboarding/control"/>
+  </ds:schemaRefs>
+</ds:datastoreItem>
+</file>
+
+<file path=customXml/itemProps33.xml><?xml version="1.0" encoding="utf-8"?>
+<ds:datastoreItem xmlns:ds="http://schemas.openxmlformats.org/officeDocument/2006/customXml" ds:itemID="{BE3C5397-2BB3-4996-90B4-47CF4BFB49E5}">
+  <ds:schemaRefs>
+    <ds:schemaRef ds:uri="http://schemas.microsoft.com/VisualStudio/2011/storyboarding/control"/>
+  </ds:schemaRefs>
+</ds:datastoreItem>
+</file>
+
+<file path=customXml/itemProps34.xml><?xml version="1.0" encoding="utf-8"?>
+<ds:datastoreItem xmlns:ds="http://schemas.openxmlformats.org/officeDocument/2006/customXml" ds:itemID="{A0C7E2D5-3976-41F4-B850-B0BB8EF844CA}">
+  <ds:schemaRefs>
+    <ds:schemaRef ds:uri="http://schemas.microsoft.com/VisualStudio/2011/storyboarding/control"/>
+  </ds:schemaRefs>
+</ds:datastoreItem>
+</file>
+
+<file path=customXml/itemProps35.xml><?xml version="1.0" encoding="utf-8"?>
+<ds:datastoreItem xmlns:ds="http://schemas.openxmlformats.org/officeDocument/2006/customXml" ds:itemID="{99F161CA-5572-4E46-8B07-69E379D18AD7}">
+  <ds:schemaRefs>
+    <ds:schemaRef ds:uri="http://schemas.microsoft.com/VisualStudio/2011/storyboarding/control"/>
+  </ds:schemaRefs>
+</ds:datastoreItem>
+</file>
+
+<file path=customXml/itemProps36.xml><?xml version="1.0" encoding="utf-8"?>
+<ds:datastoreItem xmlns:ds="http://schemas.openxmlformats.org/officeDocument/2006/customXml" ds:itemID="{6DFAF14A-8937-4269-990B-DF343CE87BC7}">
+  <ds:schemaRefs>
+    <ds:schemaRef ds:uri="http://schemas.microsoft.com/VisualStudio/2011/storyboarding/control"/>
+  </ds:schemaRefs>
+</ds:datastoreItem>
+</file>
+
+<file path=customXml/itemProps37.xml><?xml version="1.0" encoding="utf-8"?>
+<ds:datastoreItem xmlns:ds="http://schemas.openxmlformats.org/officeDocument/2006/customXml" ds:itemID="{5A01698B-314F-4111-A07E-F429B36518F2}">
+  <ds:schemaRefs>
+    <ds:schemaRef ds:uri="http://schemas.microsoft.com/VisualStudio/2011/storyboarding/control"/>
+  </ds:schemaRefs>
+</ds:datastoreItem>
+</file>
+
+<file path=customXml/itemProps38.xml><?xml version="1.0" encoding="utf-8"?>
+<ds:datastoreItem xmlns:ds="http://schemas.openxmlformats.org/officeDocument/2006/customXml" ds:itemID="{21D26B46-CFE8-48B4-9D21-0C9B503693B7}">
+  <ds:schemaRefs>
+    <ds:schemaRef ds:uri="http://schemas.microsoft.com/VisualStudio/2011/storyboarding/control"/>
+  </ds:schemaRefs>
+</ds:datastoreItem>
+</file>
+
+<file path=customXml/itemProps39.xml><?xml version="1.0" encoding="utf-8"?>
+<ds:datastoreItem xmlns:ds="http://schemas.openxmlformats.org/officeDocument/2006/customXml" ds:itemID="{EB3D0742-4EA7-412A-83DD-3A9F05552776}">
+  <ds:schemaRefs>
+    <ds:schemaRef ds:uri="http://schemas.microsoft.com/VisualStudio/2011/storyboarding/control"/>
+  </ds:schemaRefs>
+</ds:datastoreItem>
+</file>
+
+<file path=customXml/itemProps4.xml><?xml version="1.0" encoding="utf-8"?>
+<ds:datastoreItem xmlns:ds="http://schemas.openxmlformats.org/officeDocument/2006/customXml" ds:itemID="{ED0B6804-E481-424D-8888-779B6DBC2B42}">
+  <ds:schemaRefs>
+    <ds:schemaRef ds:uri="http://schemas.microsoft.com/VisualStudio/2011/storyboarding/control"/>
+  </ds:schemaRefs>
+</ds:datastoreItem>
+</file>
+
+<file path=customXml/itemProps40.xml><?xml version="1.0" encoding="utf-8"?>
+<ds:datastoreItem xmlns:ds="http://schemas.openxmlformats.org/officeDocument/2006/customXml" ds:itemID="{BE5A39EE-CED4-41DA-99FB-D7E8E4A8A228}">
+  <ds:schemaRefs>
+    <ds:schemaRef ds:uri="http://schemas.microsoft.com/VisualStudio/2011/storyboarding/control"/>
+  </ds:schemaRefs>
+</ds:datastoreItem>
+</file>
+
+<file path=customXml/itemProps41.xml><?xml version="1.0" encoding="utf-8"?>
+<ds:datastoreItem xmlns:ds="http://schemas.openxmlformats.org/officeDocument/2006/customXml" ds:itemID="{E0B006F0-6414-48CD-808D-117BB514D3E0}">
+  <ds:schemaRefs>
+    <ds:schemaRef ds:uri="http://schemas.microsoft.com/VisualStudio/2011/storyboarding/control"/>
+  </ds:schemaRefs>
+</ds:datastoreItem>
+</file>
+
+<file path=customXml/itemProps42.xml><?xml version="1.0" encoding="utf-8"?>
+<ds:datastoreItem xmlns:ds="http://schemas.openxmlformats.org/officeDocument/2006/customXml" ds:itemID="{6FCC4CF5-A077-416A-911F-3BFA91DEE317}">
+  <ds:schemaRefs>
+    <ds:schemaRef ds:uri="http://schemas.microsoft.com/VisualStudio/2011/storyboarding/control"/>
+  </ds:schemaRefs>
+</ds:datastoreItem>
+</file>
+
+<file path=customXml/itemProps43.xml><?xml version="1.0" encoding="utf-8"?>
+<ds:datastoreItem xmlns:ds="http://schemas.openxmlformats.org/officeDocument/2006/customXml" ds:itemID="{E0754624-A148-4CEA-BD18-01A03FB22D46}">
+  <ds:schemaRefs>
+    <ds:schemaRef ds:uri="http://schemas.microsoft.com/VisualStudio/2011/storyboarding/control"/>
+  </ds:schemaRefs>
+</ds:datastoreItem>
+</file>
+
+<file path=customXml/itemProps44.xml><?xml version="1.0" encoding="utf-8"?>
+<ds:datastoreItem xmlns:ds="http://schemas.openxmlformats.org/officeDocument/2006/customXml" ds:itemID="{F79FD3CB-0459-428B-8915-B212A926F905}">
+  <ds:schemaRefs>
+    <ds:schemaRef ds:uri="http://schemas.microsoft.com/VisualStudio/2011/storyboarding/control"/>
+  </ds:schemaRefs>
+</ds:datastoreItem>
+</file>
+
+<file path=customXml/itemProps45.xml><?xml version="1.0" encoding="utf-8"?>
+<ds:datastoreItem xmlns:ds="http://schemas.openxmlformats.org/officeDocument/2006/customXml" ds:itemID="{D3124AFE-4EB5-4B52-AC10-9701FC388D02}">
+  <ds:schemaRefs>
+    <ds:schemaRef ds:uri="http://schemas.microsoft.com/VisualStudio/2011/storyboarding/control"/>
+  </ds:schemaRefs>
+</ds:datastoreItem>
+</file>
+
+<file path=customXml/itemProps46.xml><?xml version="1.0" encoding="utf-8"?>
+<ds:datastoreItem xmlns:ds="http://schemas.openxmlformats.org/officeDocument/2006/customXml" ds:itemID="{9DB3F5E0-F4C9-4FDA-813B-261428FA6459}">
+  <ds:schemaRefs>
+    <ds:schemaRef ds:uri="http://schemas.microsoft.com/VisualStudio/2011/storyboarding/control"/>
+  </ds:schemaRefs>
+</ds:datastoreItem>
+</file>
+
+<file path=customXml/itemProps47.xml><?xml version="1.0" encoding="utf-8"?>
+<ds:datastoreItem xmlns:ds="http://schemas.openxmlformats.org/officeDocument/2006/customXml" ds:itemID="{2A2DA203-FEA8-4E29-AB9F-9471A11964C4}">
+  <ds:schemaRefs>
+    <ds:schemaRef ds:uri="http://schemas.microsoft.com/VisualStudio/2011/storyboarding/control"/>
+  </ds:schemaRefs>
+</ds:datastoreItem>
+</file>
+
+<file path=customXml/itemProps48.xml><?xml version="1.0" encoding="utf-8"?>
+<ds:datastoreItem xmlns:ds="http://schemas.openxmlformats.org/officeDocument/2006/customXml" ds:itemID="{455D4685-4E3A-4908-A161-5B3161589ED5}">
+  <ds:schemaRefs>
+    <ds:schemaRef ds:uri="http://schemas.microsoft.com/VisualStudio/2011/storyboarding/control"/>
+  </ds:schemaRefs>
+</ds:datastoreItem>
+</file>
+
+<file path=customXml/itemProps49.xml><?xml version="1.0" encoding="utf-8"?>
+<ds:datastoreItem xmlns:ds="http://schemas.openxmlformats.org/officeDocument/2006/customXml" ds:itemID="{D5F66833-B449-422A-9CC8-C8F569B05BAA}">
+  <ds:schemaRefs>
+    <ds:schemaRef ds:uri="http://schemas.microsoft.com/VisualStudio/2011/storyboarding/control"/>
+  </ds:schemaRefs>
+</ds:datastoreItem>
+</file>
+
+<file path=customXml/itemProps5.xml><?xml version="1.0" encoding="utf-8"?>
+<ds:datastoreItem xmlns:ds="http://schemas.openxmlformats.org/officeDocument/2006/customXml" ds:itemID="{25312012-641A-4944-B0B8-71175E524031}">
+  <ds:schemaRefs>
+    <ds:schemaRef ds:uri="http://schemas.microsoft.com/VisualStudio/2011/storyboarding/control"/>
+  </ds:schemaRefs>
+</ds:datastoreItem>
+</file>
+
+<file path=customXml/itemProps50.xml><?xml version="1.0" encoding="utf-8"?>
+<ds:datastoreItem xmlns:ds="http://schemas.openxmlformats.org/officeDocument/2006/customXml" ds:itemID="{03B78192-B4AA-4C59-A8A2-FAB3E6C96DE3}">
+  <ds:schemaRefs>
+    <ds:schemaRef ds:uri="http://schemas.microsoft.com/VisualStudio/2011/storyboarding/control"/>
+  </ds:schemaRefs>
+</ds:datastoreItem>
+</file>
+
+<file path=customXml/itemProps51.xml><?xml version="1.0" encoding="utf-8"?>
+<ds:datastoreItem xmlns:ds="http://schemas.openxmlformats.org/officeDocument/2006/customXml" ds:itemID="{F32B9844-C5A7-4922-A715-6B32A580AA0E}">
+  <ds:schemaRefs>
+    <ds:schemaRef ds:uri="http://schemas.microsoft.com/VisualStudio/2011/storyboarding/control"/>
+  </ds:schemaRefs>
+</ds:datastoreItem>
+</file>
+
+<file path=customXml/itemProps52.xml><?xml version="1.0" encoding="utf-8"?>
+<ds:datastoreItem xmlns:ds="http://schemas.openxmlformats.org/officeDocument/2006/customXml" ds:itemID="{FAF35759-7CBA-4C19-AE2D-2C2F8FDC6F47}">
+  <ds:schemaRefs>
+    <ds:schemaRef ds:uri="http://schemas.microsoft.com/VisualStudio/2011/storyboarding/control"/>
+  </ds:schemaRefs>
+</ds:datastoreItem>
+</file>
+
+<file path=customXml/itemProps53.xml><?xml version="1.0" encoding="utf-8"?>
+<ds:datastoreItem xmlns:ds="http://schemas.openxmlformats.org/officeDocument/2006/customXml" ds:itemID="{491AD156-120F-4EB1-ABE5-992046AEBFE7}">
+  <ds:schemaRefs>
+    <ds:schemaRef ds:uri="http://schemas.microsoft.com/VisualStudio/2011/storyboarding/control"/>
+  </ds:schemaRefs>
+</ds:datastoreItem>
+</file>
+
+<file path=customXml/itemProps54.xml><?xml version="1.0" encoding="utf-8"?>
+<ds:datastoreItem xmlns:ds="http://schemas.openxmlformats.org/officeDocument/2006/customXml" ds:itemID="{8A5AFC3D-326D-4613-AE04-683282ADA613}">
+  <ds:schemaRefs>
+    <ds:schemaRef ds:uri="http://schemas.microsoft.com/VisualStudio/2011/storyboarding/control"/>
+  </ds:schemaRefs>
+</ds:datastoreItem>
+</file>
+
+<file path=customXml/itemProps55.xml><?xml version="1.0" encoding="utf-8"?>
+<ds:datastoreItem xmlns:ds="http://schemas.openxmlformats.org/officeDocument/2006/customXml" ds:itemID="{9123474B-85BC-41C0-A8B3-E097BA0AC2C3}">
+  <ds:schemaRefs>
+    <ds:schemaRef ds:uri="http://schemas.microsoft.com/VisualStudio/2011/storyboarding/control"/>
+  </ds:schemaRefs>
+</ds:datastoreItem>
+</file>
+
+<file path=customXml/itemProps56.xml><?xml version="1.0" encoding="utf-8"?>
+<ds:datastoreItem xmlns:ds="http://schemas.openxmlformats.org/officeDocument/2006/customXml" ds:itemID="{CFBAD30E-A35D-4085-981F-5DA027342E01}">
+  <ds:schemaRefs>
+    <ds:schemaRef ds:uri="http://schemas.microsoft.com/VisualStudio/2011/storyboarding/control"/>
+  </ds:schemaRefs>
+</ds:datastoreItem>
+</file>
+
+<file path=customXml/itemProps57.xml><?xml version="1.0" encoding="utf-8"?>
+<ds:datastoreItem xmlns:ds="http://schemas.openxmlformats.org/officeDocument/2006/customXml" ds:itemID="{2665CB63-34F4-4327-BAA4-5F866E1F444A}">
+  <ds:schemaRefs>
+    <ds:schemaRef ds:uri="http://schemas.microsoft.com/VisualStudio/2011/storyboarding/control"/>
+  </ds:schemaRefs>
+</ds:datastoreItem>
+</file>
+
+<file path=customXml/itemProps58.xml><?xml version="1.0" encoding="utf-8"?>
+<ds:datastoreItem xmlns:ds="http://schemas.openxmlformats.org/officeDocument/2006/customXml" ds:itemID="{E2D1028C-A519-46BA-BAF7-EC095A72ADAE}">
+  <ds:schemaRefs>
+    <ds:schemaRef ds:uri="http://schemas.microsoft.com/VisualStudio/2011/storyboarding/control"/>
+  </ds:schemaRefs>
+</ds:datastoreItem>
+</file>
+
+<file path=customXml/itemProps59.xml><?xml version="1.0" encoding="utf-8"?>
+<ds:datastoreItem xmlns:ds="http://schemas.openxmlformats.org/officeDocument/2006/customXml" ds:itemID="{909CEA95-6BDA-45F9-BB3D-6347F3695A53}">
+  <ds:schemaRefs>
+    <ds:schemaRef ds:uri="http://schemas.microsoft.com/VisualStudio/2011/storyboarding/control"/>
+  </ds:schemaRefs>
+</ds:datastoreItem>
+</file>
+
+<file path=customXml/itemProps6.xml><?xml version="1.0" encoding="utf-8"?>
+<ds:datastoreItem xmlns:ds="http://schemas.openxmlformats.org/officeDocument/2006/customXml" ds:itemID="{59D6BC19-CDF5-48A1-85B3-F17768581845}">
+  <ds:schemaRefs>
+    <ds:schemaRef ds:uri="http://schemas.microsoft.com/VisualStudio/2011/storyboarding/control"/>
+  </ds:schemaRefs>
+</ds:datastoreItem>
+</file>
+
+<file path=customXml/itemProps60.xml><?xml version="1.0" encoding="utf-8"?>
+<ds:datastoreItem xmlns:ds="http://schemas.openxmlformats.org/officeDocument/2006/customXml" ds:itemID="{6FA2BC0E-1947-4C92-90CF-99FF5404C4C7}">
+  <ds:schemaRefs>
+    <ds:schemaRef ds:uri="http://schemas.microsoft.com/VisualStudio/2011/storyboarding/control"/>
+  </ds:schemaRefs>
+</ds:datastoreItem>
+</file>
+
+<file path=customXml/itemProps61.xml><?xml version="1.0" encoding="utf-8"?>
+<ds:datastoreItem xmlns:ds="http://schemas.openxmlformats.org/officeDocument/2006/customXml" ds:itemID="{B4661F4F-AB70-4D6F-92E6-398ACBB95F72}">
+  <ds:schemaRefs>
+    <ds:schemaRef ds:uri="http://schemas.microsoft.com/VisualStudio/2011/storyboarding/control"/>
+  </ds:schemaRefs>
+</ds:datastoreItem>
+</file>
+
+<file path=customXml/itemProps62.xml><?xml version="1.0" encoding="utf-8"?>
+<ds:datastoreItem xmlns:ds="http://schemas.openxmlformats.org/officeDocument/2006/customXml" ds:itemID="{255586F9-19C6-4AFC-9FBC-0BAA93A95343}">
+  <ds:schemaRefs>
+    <ds:schemaRef ds:uri="http://schemas.microsoft.com/VisualStudio/2011/storyboarding/control"/>
+  </ds:schemaRefs>
+</ds:datastoreItem>
+</file>
+
+<file path=customXml/itemProps63.xml><?xml version="1.0" encoding="utf-8"?>
 <ds:datastoreItem xmlns:ds="http://schemas.openxmlformats.org/officeDocument/2006/customXml" ds:itemID="{3271EB1F-0AA8-40DB-B061-897854485D52}">
   <ds:schemaRefs>
     <ds:schemaRef ds:uri="http://schemas.microsoft.com/VisualStudio/2011/storyboarding/control"/>
@@ -18856,7 +19460,71 @@
 </ds:datastoreItem>
 </file>
 
-<file path=customXml/itemProps10.xml><?xml version="1.0" encoding="utf-8"?>
+<file path=customXml/itemProps64.xml><?xml version="1.0" encoding="utf-8"?>
+<ds:datastoreItem xmlns:ds="http://schemas.openxmlformats.org/officeDocument/2006/customXml" ds:itemID="{E987E64F-F81C-4B86-87C4-FEDEA0020704}">
+  <ds:schemaRefs>
+    <ds:schemaRef ds:uri="http://schemas.microsoft.com/VisualStudio/2011/storyboarding/control"/>
+  </ds:schemaRefs>
+</ds:datastoreItem>
+</file>
+
+<file path=customXml/itemProps65.xml><?xml version="1.0" encoding="utf-8"?>
+<ds:datastoreItem xmlns:ds="http://schemas.openxmlformats.org/officeDocument/2006/customXml" ds:itemID="{5C446502-57EB-446F-826F-A7933CDF2C66}">
+  <ds:schemaRefs>
+    <ds:schemaRef ds:uri="http://schemas.microsoft.com/VisualStudio/2011/storyboarding/control"/>
+  </ds:schemaRefs>
+</ds:datastoreItem>
+</file>
+
+<file path=customXml/itemProps66.xml><?xml version="1.0" encoding="utf-8"?>
+<ds:datastoreItem xmlns:ds="http://schemas.openxmlformats.org/officeDocument/2006/customXml" ds:itemID="{A9573185-F68A-4459-A7DB-A8642C0CF22E}">
+  <ds:schemaRefs>
+    <ds:schemaRef ds:uri="http://schemas.microsoft.com/VisualStudio/2011/storyboarding/control"/>
+  </ds:schemaRefs>
+</ds:datastoreItem>
+</file>
+
+<file path=customXml/itemProps67.xml><?xml version="1.0" encoding="utf-8"?>
+<ds:datastoreItem xmlns:ds="http://schemas.openxmlformats.org/officeDocument/2006/customXml" ds:itemID="{9041740F-74E8-460D-AE0D-71886C1F618B}">
+  <ds:schemaRefs>
+    <ds:schemaRef ds:uri="http://schemas.microsoft.com/VisualStudio/2011/storyboarding/control"/>
+  </ds:schemaRefs>
+</ds:datastoreItem>
+</file>
+
+<file path=customXml/itemProps68.xml><?xml version="1.0" encoding="utf-8"?>
+<ds:datastoreItem xmlns:ds="http://schemas.openxmlformats.org/officeDocument/2006/customXml" ds:itemID="{8465AFBF-1E92-4ABE-9F01-CE1B397C588E}">
+  <ds:schemaRefs>
+    <ds:schemaRef ds:uri="http://schemas.microsoft.com/VisualStudio/2011/storyboarding/control"/>
+  </ds:schemaRefs>
+</ds:datastoreItem>
+</file>
+
+<file path=customXml/itemProps69.xml><?xml version="1.0" encoding="utf-8"?>
+<ds:datastoreItem xmlns:ds="http://schemas.openxmlformats.org/officeDocument/2006/customXml" ds:itemID="{BA3D6CD7-DCB8-4E3E-A7AA-986C0DF21870}">
+  <ds:schemaRefs>
+    <ds:schemaRef ds:uri="http://schemas.microsoft.com/VisualStudio/2011/storyboarding/control"/>
+  </ds:schemaRefs>
+</ds:datastoreItem>
+</file>
+
+<file path=customXml/itemProps7.xml><?xml version="1.0" encoding="utf-8"?>
+<ds:datastoreItem xmlns:ds="http://schemas.openxmlformats.org/officeDocument/2006/customXml" ds:itemID="{3F9D2E2D-FAEC-4A0A-9218-4268695EB676}">
+  <ds:schemaRefs>
+    <ds:schemaRef ds:uri="http://schemas.microsoft.com/VisualStudio/2011/storyboarding/control"/>
+  </ds:schemaRefs>
+</ds:datastoreItem>
+</file>
+
+<file path=customXml/itemProps70.xml><?xml version="1.0" encoding="utf-8"?>
+<ds:datastoreItem xmlns:ds="http://schemas.openxmlformats.org/officeDocument/2006/customXml" ds:itemID="{8C744DAA-BB79-4D9B-BDD1-05F09414BEEF}">
+  <ds:schemaRefs>
+    <ds:schemaRef ds:uri="http://schemas.microsoft.com/VisualStudio/2011/storyboarding/control"/>
+  </ds:schemaRefs>
+</ds:datastoreItem>
+</file>
+
+<file path=customXml/itemProps71.xml><?xml version="1.0" encoding="utf-8"?>
 <ds:datastoreItem xmlns:ds="http://schemas.openxmlformats.org/officeDocument/2006/customXml" ds:itemID="{D760F7EA-1DF3-42EE-8A06-BD263742032B}">
   <ds:schemaRefs>
     <ds:schemaRef ds:uri="http://schemas.microsoft.com/VisualStudio/2011/storyboarding/control"/>
@@ -18864,183 +19532,7 @@
 </ds:datastoreItem>
 </file>
 
-<file path=customXml/itemProps11.xml><?xml version="1.0" encoding="utf-8"?>
-<ds:datastoreItem xmlns:ds="http://schemas.openxmlformats.org/officeDocument/2006/customXml" ds:itemID="{6D889637-CE82-47A2-BFC9-B148BB4A6AA5}">
-  <ds:schemaRefs>
-    <ds:schemaRef ds:uri="http://schemas.microsoft.com/VisualStudio/2011/storyboarding/control"/>
-  </ds:schemaRefs>
-</ds:datastoreItem>
-</file>
-
-<file path=customXml/itemProps12.xml><?xml version="1.0" encoding="utf-8"?>
-<ds:datastoreItem xmlns:ds="http://schemas.openxmlformats.org/officeDocument/2006/customXml" ds:itemID="{D5F66833-B449-422A-9CC8-C8F569B05BAA}">
-  <ds:schemaRefs>
-    <ds:schemaRef ds:uri="http://schemas.microsoft.com/VisualStudio/2011/storyboarding/control"/>
-  </ds:schemaRefs>
-</ds:datastoreItem>
-</file>
-
-<file path=customXml/itemProps13.xml><?xml version="1.0" encoding="utf-8"?>
-<ds:datastoreItem xmlns:ds="http://schemas.openxmlformats.org/officeDocument/2006/customXml" ds:itemID="{9B90AF42-738E-4DAB-ACE8-CCB1F8941045}">
-  <ds:schemaRefs>
-    <ds:schemaRef ds:uri="http://schemas.microsoft.com/VisualStudio/2011/storyboarding/control"/>
-  </ds:schemaRefs>
-</ds:datastoreItem>
-</file>
-
-<file path=customXml/itemProps14.xml><?xml version="1.0" encoding="utf-8"?>
-<ds:datastoreItem xmlns:ds="http://schemas.openxmlformats.org/officeDocument/2006/customXml" ds:itemID="{A0C7E2D5-3976-41F4-B850-B0BB8EF844CA}">
-  <ds:schemaRefs>
-    <ds:schemaRef ds:uri="http://schemas.microsoft.com/VisualStudio/2011/storyboarding/control"/>
-  </ds:schemaRefs>
-</ds:datastoreItem>
-</file>
-
-<file path=customXml/itemProps15.xml><?xml version="1.0" encoding="utf-8"?>
-<ds:datastoreItem xmlns:ds="http://schemas.openxmlformats.org/officeDocument/2006/customXml" ds:itemID="{5C446502-57EB-446F-826F-A7933CDF2C66}">
-  <ds:schemaRefs>
-    <ds:schemaRef ds:uri="http://schemas.microsoft.com/VisualStudio/2011/storyboarding/control"/>
-  </ds:schemaRefs>
-</ds:datastoreItem>
-</file>
-
-<file path=customXml/itemProps16.xml><?xml version="1.0" encoding="utf-8"?>
-<ds:datastoreItem xmlns:ds="http://schemas.openxmlformats.org/officeDocument/2006/customXml" ds:itemID="{9C5E04D0-75D2-489D-9F06-CBBCED4CD202}">
-  <ds:schemaRefs>
-    <ds:schemaRef ds:uri="http://schemas.microsoft.com/VisualStudio/2011/storyboarding/control"/>
-  </ds:schemaRefs>
-</ds:datastoreItem>
-</file>
-
-<file path=customXml/itemProps17.xml><?xml version="1.0" encoding="utf-8"?>
-<ds:datastoreItem xmlns:ds="http://schemas.openxmlformats.org/officeDocument/2006/customXml" ds:itemID="{03B78192-B4AA-4C59-A8A2-FAB3E6C96DE3}">
-  <ds:schemaRefs>
-    <ds:schemaRef ds:uri="http://schemas.microsoft.com/VisualStudio/2011/storyboarding/control"/>
-  </ds:schemaRefs>
-</ds:datastoreItem>
-</file>
-
-<file path=customXml/itemProps18.xml><?xml version="1.0" encoding="utf-8"?>
-<ds:datastoreItem xmlns:ds="http://schemas.openxmlformats.org/officeDocument/2006/customXml" ds:itemID="{AB9EFE74-1EC6-40FC-8E3B-FE6FC26D22C1}">
-  <ds:schemaRefs>
-    <ds:schemaRef ds:uri="http://schemas.microsoft.com/VisualStudio/2011/storyboarding/control"/>
-  </ds:schemaRefs>
-</ds:datastoreItem>
-</file>
-
-<file path=customXml/itemProps19.xml><?xml version="1.0" encoding="utf-8"?>
-<ds:datastoreItem xmlns:ds="http://schemas.openxmlformats.org/officeDocument/2006/customXml" ds:itemID="{93B811E8-CB9E-408C-A8B4-319609757437}">
-  <ds:schemaRefs>
-    <ds:schemaRef ds:uri="http://schemas.microsoft.com/VisualStudio/2011/storyboarding/control"/>
-  </ds:schemaRefs>
-</ds:datastoreItem>
-</file>
-
-<file path=customXml/itemProps2.xml><?xml version="1.0" encoding="utf-8"?>
-<ds:datastoreItem xmlns:ds="http://schemas.openxmlformats.org/officeDocument/2006/customXml" ds:itemID="{F772822B-B66F-4801-9539-459C08341CE0}">
-  <ds:schemaRefs>
-    <ds:schemaRef ds:uri="http://schemas.microsoft.com/VisualStudio/2011/storyboarding/control"/>
-  </ds:schemaRefs>
-</ds:datastoreItem>
-</file>
-
-<file path=customXml/itemProps20.xml><?xml version="1.0" encoding="utf-8"?>
-<ds:datastoreItem xmlns:ds="http://schemas.openxmlformats.org/officeDocument/2006/customXml" ds:itemID="{2665CB63-34F4-4327-BAA4-5F866E1F444A}">
-  <ds:schemaRefs>
-    <ds:schemaRef ds:uri="http://schemas.microsoft.com/VisualStudio/2011/storyboarding/control"/>
-  </ds:schemaRefs>
-</ds:datastoreItem>
-</file>
-
-<file path=customXml/itemProps21.xml><?xml version="1.0" encoding="utf-8"?>
-<ds:datastoreItem xmlns:ds="http://schemas.openxmlformats.org/officeDocument/2006/customXml" ds:itemID="{25312012-641A-4944-B0B8-71175E524031}">
-  <ds:schemaRefs>
-    <ds:schemaRef ds:uri="http://schemas.microsoft.com/VisualStudio/2011/storyboarding/control"/>
-  </ds:schemaRefs>
-</ds:datastoreItem>
-</file>
-
-<file path=customXml/itemProps22.xml><?xml version="1.0" encoding="utf-8"?>
-<ds:datastoreItem xmlns:ds="http://schemas.openxmlformats.org/officeDocument/2006/customXml" ds:itemID="{99F161CA-5572-4E46-8B07-69E379D18AD7}">
-  <ds:schemaRefs>
-    <ds:schemaRef ds:uri="http://schemas.microsoft.com/VisualStudio/2011/storyboarding/control"/>
-  </ds:schemaRefs>
-</ds:datastoreItem>
-</file>
-
-<file path=customXml/itemProps23.xml><?xml version="1.0" encoding="utf-8"?>
-<ds:datastoreItem xmlns:ds="http://schemas.openxmlformats.org/officeDocument/2006/customXml" ds:itemID="{A9573185-F68A-4459-A7DB-A8642C0CF22E}">
-  <ds:schemaRefs>
-    <ds:schemaRef ds:uri="http://schemas.microsoft.com/VisualStudio/2011/storyboarding/control"/>
-  </ds:schemaRefs>
-</ds:datastoreItem>
-</file>
-
-<file path=customXml/itemProps24.xml><?xml version="1.0" encoding="utf-8"?>
-<ds:datastoreItem xmlns:ds="http://schemas.openxmlformats.org/officeDocument/2006/customXml" ds:itemID="{EFDC721D-1583-46FB-8339-24B4E41862F8}">
-  <ds:schemaRefs>
-    <ds:schemaRef ds:uri="http://schemas.microsoft.com/VisualStudio/2011/storyboarding/control"/>
-  </ds:schemaRefs>
-</ds:datastoreItem>
-</file>
-
-<file path=customXml/itemProps25.xml><?xml version="1.0" encoding="utf-8"?>
-<ds:datastoreItem xmlns:ds="http://schemas.openxmlformats.org/officeDocument/2006/customXml" ds:itemID="{F32B9844-C5A7-4922-A715-6B32A580AA0E}">
-  <ds:schemaRefs>
-    <ds:schemaRef ds:uri="http://schemas.microsoft.com/VisualStudio/2011/storyboarding/control"/>
-  </ds:schemaRefs>
-</ds:datastoreItem>
-</file>
-
-<file path=customXml/itemProps26.xml><?xml version="1.0" encoding="utf-8"?>
-<ds:datastoreItem xmlns:ds="http://schemas.openxmlformats.org/officeDocument/2006/customXml" ds:itemID="{33332124-4E33-4C45-A8A2-D7FB53871042}">
-  <ds:schemaRefs>
-    <ds:schemaRef ds:uri="http://schemas.microsoft.com/VisualStudio/2011/storyboarding/control"/>
-  </ds:schemaRefs>
-</ds:datastoreItem>
-</file>
-
-<file path=customXml/itemProps27.xml><?xml version="1.0" encoding="utf-8"?>
-<ds:datastoreItem xmlns:ds="http://schemas.openxmlformats.org/officeDocument/2006/customXml" ds:itemID="{6DFAF14A-8937-4269-990B-DF343CE87BC7}">
-  <ds:schemaRefs>
-    <ds:schemaRef ds:uri="http://schemas.microsoft.com/VisualStudio/2011/storyboarding/control"/>
-  </ds:schemaRefs>
-</ds:datastoreItem>
-</file>
-
-<file path=customXml/itemProps28.xml><?xml version="1.0" encoding="utf-8"?>
-<ds:datastoreItem xmlns:ds="http://schemas.openxmlformats.org/officeDocument/2006/customXml" ds:itemID="{9041740F-74E8-460D-AE0D-71886C1F618B}">
-  <ds:schemaRefs>
-    <ds:schemaRef ds:uri="http://schemas.microsoft.com/VisualStudio/2011/storyboarding/control"/>
-  </ds:schemaRefs>
-</ds:datastoreItem>
-</file>
-
-<file path=customXml/itemProps29.xml><?xml version="1.0" encoding="utf-8"?>
-<ds:datastoreItem xmlns:ds="http://schemas.openxmlformats.org/officeDocument/2006/customXml" ds:itemID="{D2A2A464-07D6-4310-90DA-BFF5D5D85A9C}">
-  <ds:schemaRefs>
-    <ds:schemaRef ds:uri="http://schemas.microsoft.com/VisualStudio/2011/storyboarding/control"/>
-  </ds:schemaRefs>
-</ds:datastoreItem>
-</file>
-
-<file path=customXml/itemProps3.xml><?xml version="1.0" encoding="utf-8"?>
-<ds:datastoreItem xmlns:ds="http://schemas.openxmlformats.org/officeDocument/2006/customXml" ds:itemID="{455D4685-4E3A-4908-A161-5B3161589ED5}">
-  <ds:schemaRefs>
-    <ds:schemaRef ds:uri="http://schemas.microsoft.com/VisualStudio/2011/storyboarding/control"/>
-  </ds:schemaRefs>
-</ds:datastoreItem>
-</file>
-
-<file path=customXml/itemProps30.xml><?xml version="1.0" encoding="utf-8"?>
-<ds:datastoreItem xmlns:ds="http://schemas.openxmlformats.org/officeDocument/2006/customXml" ds:itemID="{5A01698B-314F-4111-A07E-F429B36518F2}">
-  <ds:schemaRefs>
-    <ds:schemaRef ds:uri="http://schemas.microsoft.com/VisualStudio/2011/storyboarding/control"/>
-  </ds:schemaRefs>
-</ds:datastoreItem>
-</file>
-
-<file path=customXml/itemProps31.xml><?xml version="1.0" encoding="utf-8"?>
+<file path=customXml/itemProps72.xml><?xml version="1.0" encoding="utf-8"?>
 <ds:datastoreItem xmlns:ds="http://schemas.openxmlformats.org/officeDocument/2006/customXml" ds:itemID="{24374644-13A0-46EC-9029-AB02ADB63D0C}">
   <ds:schemaRefs>
     <ds:schemaRef ds:uri="http://schemas.microsoft.com/VisualStudio/2011/storyboarding/control"/>
@@ -19048,111 +19540,7 @@
 </ds:datastoreItem>
 </file>
 
-<file path=customXml/itemProps32.xml><?xml version="1.0" encoding="utf-8"?>
-<ds:datastoreItem xmlns:ds="http://schemas.openxmlformats.org/officeDocument/2006/customXml" ds:itemID="{544C176B-5C32-4DFB-8E24-04F967F3D6D0}">
-  <ds:schemaRefs>
-    <ds:schemaRef ds:uri="http://schemas.microsoft.com/VisualStudio/2011/storyboarding/control"/>
-  </ds:schemaRefs>
-</ds:datastoreItem>
-</file>
-
-<file path=customXml/itemProps33.xml><?xml version="1.0" encoding="utf-8"?>
-<ds:datastoreItem xmlns:ds="http://schemas.openxmlformats.org/officeDocument/2006/customXml" ds:itemID="{FAF35759-7CBA-4C19-AE2D-2C2F8FDC6F47}">
-  <ds:schemaRefs>
-    <ds:schemaRef ds:uri="http://schemas.microsoft.com/VisualStudio/2011/storyboarding/control"/>
-  </ds:schemaRefs>
-</ds:datastoreItem>
-</file>
-
-<file path=customXml/itemProps34.xml><?xml version="1.0" encoding="utf-8"?>
-<ds:datastoreItem xmlns:ds="http://schemas.openxmlformats.org/officeDocument/2006/customXml" ds:itemID="{59D6BC19-CDF5-48A1-85B3-F17768581845}">
-  <ds:schemaRefs>
-    <ds:schemaRef ds:uri="http://schemas.microsoft.com/VisualStudio/2011/storyboarding/control"/>
-  </ds:schemaRefs>
-</ds:datastoreItem>
-</file>
-
-<file path=customXml/itemProps35.xml><?xml version="1.0" encoding="utf-8"?>
-<ds:datastoreItem xmlns:ds="http://schemas.openxmlformats.org/officeDocument/2006/customXml" ds:itemID="{21D26B46-CFE8-48B4-9D21-0C9B503693B7}">
-  <ds:schemaRefs>
-    <ds:schemaRef ds:uri="http://schemas.microsoft.com/VisualStudio/2011/storyboarding/control"/>
-  </ds:schemaRefs>
-</ds:datastoreItem>
-</file>
-
-<file path=customXml/itemProps36.xml><?xml version="1.0" encoding="utf-8"?>
-<ds:datastoreItem xmlns:ds="http://schemas.openxmlformats.org/officeDocument/2006/customXml" ds:itemID="{8465AFBF-1E92-4ABE-9F01-CE1B397C588E}">
-  <ds:schemaRefs>
-    <ds:schemaRef ds:uri="http://schemas.microsoft.com/VisualStudio/2011/storyboarding/control"/>
-  </ds:schemaRefs>
-</ds:datastoreItem>
-</file>
-
-<file path=customXml/itemProps37.xml><?xml version="1.0" encoding="utf-8"?>
-<ds:datastoreItem xmlns:ds="http://schemas.openxmlformats.org/officeDocument/2006/customXml" ds:itemID="{F72BA43E-B732-4C31-BBC2-E6FB1DC3CF77}">
-  <ds:schemaRefs>
-    <ds:schemaRef ds:uri="http://schemas.microsoft.com/VisualStudio/2011/storyboarding/control"/>
-  </ds:schemaRefs>
-</ds:datastoreItem>
-</file>
-
-<file path=customXml/itemProps38.xml><?xml version="1.0" encoding="utf-8"?>
-<ds:datastoreItem xmlns:ds="http://schemas.openxmlformats.org/officeDocument/2006/customXml" ds:itemID="{491AD156-120F-4EB1-ABE5-992046AEBFE7}">
-  <ds:schemaRefs>
-    <ds:schemaRef ds:uri="http://schemas.microsoft.com/VisualStudio/2011/storyboarding/control"/>
-  </ds:schemaRefs>
-</ds:datastoreItem>
-</file>
-
-<file path=customXml/itemProps39.xml><?xml version="1.0" encoding="utf-8"?>
-<ds:datastoreItem xmlns:ds="http://schemas.openxmlformats.org/officeDocument/2006/customXml" ds:itemID="{ED0B6804-E481-424D-8888-779B6DBC2B42}">
-  <ds:schemaRefs>
-    <ds:schemaRef ds:uri="http://schemas.microsoft.com/VisualStudio/2011/storyboarding/control"/>
-  </ds:schemaRefs>
-</ds:datastoreItem>
-</file>
-
-<file path=customXml/itemProps4.xml><?xml version="1.0" encoding="utf-8"?>
-<ds:datastoreItem xmlns:ds="http://schemas.openxmlformats.org/officeDocument/2006/customXml" ds:itemID="{E579A474-9DAA-441F-BAD0-A4607E2C96D6}">
-  <ds:schemaRefs>
-    <ds:schemaRef ds:uri="http://schemas.microsoft.com/VisualStudio/2011/storyboarding/control"/>
-  </ds:schemaRefs>
-</ds:datastoreItem>
-</file>
-
-<file path=customXml/itemProps40.xml><?xml version="1.0" encoding="utf-8"?>
-<ds:datastoreItem xmlns:ds="http://schemas.openxmlformats.org/officeDocument/2006/customXml" ds:itemID="{F02DEDDE-424E-4377-B2D8-98848BFA8E3F}">
-  <ds:schemaRefs>
-    <ds:schemaRef ds:uri="http://schemas.microsoft.com/VisualStudio/2011/storyboarding/control"/>
-  </ds:schemaRefs>
-</ds:datastoreItem>
-</file>
-
-<file path=customXml/itemProps41.xml><?xml version="1.0" encoding="utf-8"?>
-<ds:datastoreItem xmlns:ds="http://schemas.openxmlformats.org/officeDocument/2006/customXml" ds:itemID="{E2D1028C-A519-46BA-BAF7-EC095A72ADAE}">
-  <ds:schemaRefs>
-    <ds:schemaRef ds:uri="http://schemas.microsoft.com/VisualStudio/2011/storyboarding/control"/>
-  </ds:schemaRefs>
-</ds:datastoreItem>
-</file>
-
-<file path=customXml/itemProps42.xml><?xml version="1.0" encoding="utf-8"?>
-<ds:datastoreItem xmlns:ds="http://schemas.openxmlformats.org/officeDocument/2006/customXml" ds:itemID="{3F9D2E2D-FAEC-4A0A-9218-4268695EB676}">
-  <ds:schemaRefs>
-    <ds:schemaRef ds:uri="http://schemas.microsoft.com/VisualStudio/2011/storyboarding/control"/>
-  </ds:schemaRefs>
-</ds:datastoreItem>
-</file>
-
-<file path=customXml/itemProps43.xml><?xml version="1.0" encoding="utf-8"?>
-<ds:datastoreItem xmlns:ds="http://schemas.openxmlformats.org/officeDocument/2006/customXml" ds:itemID="{EB3D0742-4EA7-412A-83DD-3A9F05552776}">
-  <ds:schemaRefs>
-    <ds:schemaRef ds:uri="http://schemas.microsoft.com/VisualStudio/2011/storyboarding/control"/>
-  </ds:schemaRefs>
-</ds:datastoreItem>
-</file>
-
-<file path=customXml/itemProps44.xml><?xml version="1.0" encoding="utf-8"?>
+<file path=customXml/itemProps73.xml><?xml version="1.0" encoding="utf-8"?>
 <ds:datastoreItem xmlns:ds="http://schemas.openxmlformats.org/officeDocument/2006/customXml" ds:itemID="{170A34F3-928F-4E4F-8666-E5D4D07797F4}">
   <ds:schemaRefs>
     <ds:schemaRef ds:uri="http://schemas.microsoft.com/VisualStudio/2011/storyboarding/control"/>
@@ -19160,71 +19548,7 @@
 </ds:datastoreItem>
 </file>
 
-<file path=customXml/itemProps45.xml><?xml version="1.0" encoding="utf-8"?>
-<ds:datastoreItem xmlns:ds="http://schemas.openxmlformats.org/officeDocument/2006/customXml" ds:itemID="{6D2217E0-B1FB-44D4-A470-7C2F0FCD87A6}">
-  <ds:schemaRefs>
-    <ds:schemaRef ds:uri="http://schemas.microsoft.com/VisualStudio/2011/storyboarding/control"/>
-  </ds:schemaRefs>
-</ds:datastoreItem>
-</file>
-
-<file path=customXml/itemProps46.xml><?xml version="1.0" encoding="utf-8"?>
-<ds:datastoreItem xmlns:ds="http://schemas.openxmlformats.org/officeDocument/2006/customXml" ds:itemID="{8A5AFC3D-326D-4613-AE04-683282ADA613}">
-  <ds:schemaRefs>
-    <ds:schemaRef ds:uri="http://schemas.microsoft.com/VisualStudio/2011/storyboarding/control"/>
-  </ds:schemaRefs>
-</ds:datastoreItem>
-</file>
-
-<file path=customXml/itemProps47.xml><?xml version="1.0" encoding="utf-8"?>
-<ds:datastoreItem xmlns:ds="http://schemas.openxmlformats.org/officeDocument/2006/customXml" ds:itemID="{941184A7-CE81-4FD2-8A35-DB3CB3BB37F3}">
-  <ds:schemaRefs>
-    <ds:schemaRef ds:uri="http://schemas.microsoft.com/VisualStudio/2011/storyboarding/control"/>
-  </ds:schemaRefs>
-</ds:datastoreItem>
-</file>
-
-<file path=customXml/itemProps48.xml><?xml version="1.0" encoding="utf-8"?>
-<ds:datastoreItem xmlns:ds="http://schemas.openxmlformats.org/officeDocument/2006/customXml" ds:itemID="{BE5A39EE-CED4-41DA-99FB-D7E8E4A8A228}">
-  <ds:schemaRefs>
-    <ds:schemaRef ds:uri="http://schemas.microsoft.com/VisualStudio/2011/storyboarding/control"/>
-  </ds:schemaRefs>
-</ds:datastoreItem>
-</file>
-
-<file path=customXml/itemProps49.xml><?xml version="1.0" encoding="utf-8"?>
-<ds:datastoreItem xmlns:ds="http://schemas.openxmlformats.org/officeDocument/2006/customXml" ds:itemID="{BA3D6CD7-DCB8-4E3E-A7AA-986C0DF21870}">
-  <ds:schemaRefs>
-    <ds:schemaRef ds:uri="http://schemas.microsoft.com/VisualStudio/2011/storyboarding/control"/>
-  </ds:schemaRefs>
-</ds:datastoreItem>
-</file>
-
-<file path=customXml/itemProps5.xml><?xml version="1.0" encoding="utf-8"?>
-<ds:datastoreItem xmlns:ds="http://schemas.openxmlformats.org/officeDocument/2006/customXml" ds:itemID="{71F7CEB8-C4A9-4CDF-BA8B-3536AD89973B}">
-  <ds:schemaRefs>
-    <ds:schemaRef ds:uri="http://schemas.microsoft.com/VisualStudio/2011/storyboarding/control"/>
-  </ds:schemaRefs>
-</ds:datastoreItem>
-</file>
-
-<file path=customXml/itemProps50.xml><?xml version="1.0" encoding="utf-8"?>
-<ds:datastoreItem xmlns:ds="http://schemas.openxmlformats.org/officeDocument/2006/customXml" ds:itemID="{9392E1F2-492D-4CB9-8668-ABD9287958BF}">
-  <ds:schemaRefs>
-    <ds:schemaRef ds:uri="http://schemas.microsoft.com/VisualStudio/2011/storyboarding/control"/>
-  </ds:schemaRefs>
-</ds:datastoreItem>
-</file>
-
-<file path=customXml/itemProps51.xml><?xml version="1.0" encoding="utf-8"?>
-<ds:datastoreItem xmlns:ds="http://schemas.openxmlformats.org/officeDocument/2006/customXml" ds:itemID="{9DB3F5E0-F4C9-4FDA-813B-261428FA6459}">
-  <ds:schemaRefs>
-    <ds:schemaRef ds:uri="http://schemas.microsoft.com/VisualStudio/2011/storyboarding/control"/>
-  </ds:schemaRefs>
-</ds:datastoreItem>
-</file>
-
-<file path=customXml/itemProps52.xml><?xml version="1.0" encoding="utf-8"?>
+<file path=customXml/itemProps74.xml><?xml version="1.0" encoding="utf-8"?>
 <ds:datastoreItem xmlns:ds="http://schemas.openxmlformats.org/officeDocument/2006/customXml" ds:itemID="{0140B85F-1980-4123-8A86-4D0C905A8BFD}">
   <ds:schemaRefs>
     <ds:schemaRef ds:uri="http://schemas.microsoft.com/VisualStudio/2011/storyboarding/control"/>
@@ -19232,71 +19556,7 @@
 </ds:datastoreItem>
 </file>
 
-<file path=customXml/itemProps53.xml><?xml version="1.0" encoding="utf-8"?>
-<ds:datastoreItem xmlns:ds="http://schemas.openxmlformats.org/officeDocument/2006/customXml" ds:itemID="{523E0204-A24C-4040-80EE-956850DFBC33}">
-  <ds:schemaRefs>
-    <ds:schemaRef ds:uri="http://schemas.microsoft.com/VisualStudio/2011/storyboarding/control"/>
-  </ds:schemaRefs>
-</ds:datastoreItem>
-</file>
-
-<file path=customXml/itemProps54.xml><?xml version="1.0" encoding="utf-8"?>
-<ds:datastoreItem xmlns:ds="http://schemas.openxmlformats.org/officeDocument/2006/customXml" ds:itemID="{909CEA95-6BDA-45F9-BB3D-6347F3695A53}">
-  <ds:schemaRefs>
-    <ds:schemaRef ds:uri="http://schemas.microsoft.com/VisualStudio/2011/storyboarding/control"/>
-  </ds:schemaRefs>
-</ds:datastoreItem>
-</file>
-
-<file path=customXml/itemProps55.xml><?xml version="1.0" encoding="utf-8"?>
-<ds:datastoreItem xmlns:ds="http://schemas.openxmlformats.org/officeDocument/2006/customXml" ds:itemID="{5A69B6D5-1C17-4F38-AD3D-EA3B8E90FC76}">
-  <ds:schemaRefs>
-    <ds:schemaRef ds:uri="http://schemas.microsoft.com/VisualStudio/2011/storyboarding/control"/>
-  </ds:schemaRefs>
-</ds:datastoreItem>
-</file>
-
-<file path=customXml/itemProps56.xml><?xml version="1.0" encoding="utf-8"?>
-<ds:datastoreItem xmlns:ds="http://schemas.openxmlformats.org/officeDocument/2006/customXml" ds:itemID="{E0B006F0-6414-48CD-808D-117BB514D3E0}">
-  <ds:schemaRefs>
-    <ds:schemaRef ds:uri="http://schemas.microsoft.com/VisualStudio/2011/storyboarding/control"/>
-  </ds:schemaRefs>
-</ds:datastoreItem>
-</file>
-
-<file path=customXml/itemProps57.xml><?xml version="1.0" encoding="utf-8"?>
-<ds:datastoreItem xmlns:ds="http://schemas.openxmlformats.org/officeDocument/2006/customXml" ds:itemID="{8C744DAA-BB79-4D9B-BDD1-05F09414BEEF}">
-  <ds:schemaRefs>
-    <ds:schemaRef ds:uri="http://schemas.microsoft.com/VisualStudio/2011/storyboarding/control"/>
-  </ds:schemaRefs>
-</ds:datastoreItem>
-</file>
-
-<file path=customXml/itemProps58.xml><?xml version="1.0" encoding="utf-8"?>
-<ds:datastoreItem xmlns:ds="http://schemas.openxmlformats.org/officeDocument/2006/customXml" ds:itemID="{7EEFD11C-B423-4472-9654-7707CDD1F3D4}">
-  <ds:schemaRefs>
-    <ds:schemaRef ds:uri="http://schemas.microsoft.com/VisualStudio/2011/storyboarding/control"/>
-  </ds:schemaRefs>
-</ds:datastoreItem>
-</file>
-
-<file path=customXml/itemProps59.xml><?xml version="1.0" encoding="utf-8"?>
-<ds:datastoreItem xmlns:ds="http://schemas.openxmlformats.org/officeDocument/2006/customXml" ds:itemID="{9123474B-85BC-41C0-A8B3-E097BA0AC2C3}">
-  <ds:schemaRefs>
-    <ds:schemaRef ds:uri="http://schemas.microsoft.com/VisualStudio/2011/storyboarding/control"/>
-  </ds:schemaRefs>
-</ds:datastoreItem>
-</file>
-
-<file path=customXml/itemProps6.xml><?xml version="1.0" encoding="utf-8"?>
-<ds:datastoreItem xmlns:ds="http://schemas.openxmlformats.org/officeDocument/2006/customXml" ds:itemID="{E987E64F-F81C-4B86-87C4-FEDEA0020704}">
-  <ds:schemaRefs>
-    <ds:schemaRef ds:uri="http://schemas.microsoft.com/VisualStudio/2011/storyboarding/control"/>
-  </ds:schemaRefs>
-</ds:datastoreItem>
-</file>
-
-<file path=customXml/itemProps60.xml><?xml version="1.0" encoding="utf-8"?>
+<file path=customXml/itemProps75.xml><?xml version="1.0" encoding="utf-8"?>
 <ds:datastoreItem xmlns:ds="http://schemas.openxmlformats.org/officeDocument/2006/customXml" ds:itemID="{4792A8F7-71DD-4878-B004-ABDB55978FF9}">
   <ds:schemaRefs>
     <ds:schemaRef ds:uri="http://schemas.microsoft.com/VisualStudio/2011/storyboarding/control"/>
@@ -19304,39 +19564,7 @@
 </ds:datastoreItem>
 </file>
 
-<file path=customXml/itemProps61.xml><?xml version="1.0" encoding="utf-8"?>
-<ds:datastoreItem xmlns:ds="http://schemas.openxmlformats.org/officeDocument/2006/customXml" ds:itemID="{5C4F4364-7285-40AE-9DCC-3FCE849ED0F8}">
-  <ds:schemaRefs>
-    <ds:schemaRef ds:uri="http://schemas.microsoft.com/VisualStudio/2011/storyboarding/control"/>
-  </ds:schemaRefs>
-</ds:datastoreItem>
-</file>
-
-<file path=customXml/itemProps62.xml><?xml version="1.0" encoding="utf-8"?>
-<ds:datastoreItem xmlns:ds="http://schemas.openxmlformats.org/officeDocument/2006/customXml" ds:itemID="{6FA2BC0E-1947-4C92-90CF-99FF5404C4C7}">
-  <ds:schemaRefs>
-    <ds:schemaRef ds:uri="http://schemas.microsoft.com/VisualStudio/2011/storyboarding/control"/>
-  </ds:schemaRefs>
-</ds:datastoreItem>
-</file>
-
-<file path=customXml/itemProps63.xml><?xml version="1.0" encoding="utf-8"?>
-<ds:datastoreItem xmlns:ds="http://schemas.openxmlformats.org/officeDocument/2006/customXml" ds:itemID="{F0AA29E4-2C73-4269-A925-7A264641F991}">
-  <ds:schemaRefs>
-    <ds:schemaRef ds:uri="http://schemas.microsoft.com/VisualStudio/2011/storyboarding/control"/>
-  </ds:schemaRefs>
-</ds:datastoreItem>
-</file>
-
-<file path=customXml/itemProps64.xml><?xml version="1.0" encoding="utf-8"?>
-<ds:datastoreItem xmlns:ds="http://schemas.openxmlformats.org/officeDocument/2006/customXml" ds:itemID="{6FCC4CF5-A077-416A-911F-3BFA91DEE317}">
-  <ds:schemaRefs>
-    <ds:schemaRef ds:uri="http://schemas.microsoft.com/VisualStudio/2011/storyboarding/control"/>
-  </ds:schemaRefs>
-</ds:datastoreItem>
-</file>
-
-<file path=customXml/itemProps65.xml><?xml version="1.0" encoding="utf-8"?>
+<file path=customXml/itemProps76.xml><?xml version="1.0" encoding="utf-8"?>
 <ds:datastoreItem xmlns:ds="http://schemas.openxmlformats.org/officeDocument/2006/customXml" ds:itemID="{12D5F82F-1C07-416F-BD5D-F83736D0E758}">
   <ds:schemaRefs>
     <ds:schemaRef ds:uri="http://schemas.microsoft.com/VisualStudio/2011/storyboarding/control"/>
@@ -19344,104 +19572,8 @@
 </ds:datastoreItem>
 </file>
 
-<file path=customXml/itemProps66.xml><?xml version="1.0" encoding="utf-8"?>
-<ds:datastoreItem xmlns:ds="http://schemas.openxmlformats.org/officeDocument/2006/customXml" ds:itemID="{1101AA61-8566-43F7-A26A-0219EF045456}">
-  <ds:schemaRefs>
-    <ds:schemaRef ds:uri="http://schemas.microsoft.com/VisualStudio/2011/storyboarding/control"/>
-  </ds:schemaRefs>
-</ds:datastoreItem>
-</file>
-
-<file path=customXml/itemProps67.xml><?xml version="1.0" encoding="utf-8"?>
-<ds:datastoreItem xmlns:ds="http://schemas.openxmlformats.org/officeDocument/2006/customXml" ds:itemID="{CFBAD30E-A35D-4085-981F-5DA027342E01}">
-  <ds:schemaRefs>
-    <ds:schemaRef ds:uri="http://schemas.microsoft.com/VisualStudio/2011/storyboarding/control"/>
-  </ds:schemaRefs>
-</ds:datastoreItem>
-</file>
-
-<file path=customXml/itemProps68.xml><?xml version="1.0" encoding="utf-8"?>
-<ds:datastoreItem xmlns:ds="http://schemas.openxmlformats.org/officeDocument/2006/customXml" ds:itemID="{61BBF0A8-80F8-404F-B8B2-B3FD61CA0643}">
-  <ds:schemaRefs>
-    <ds:schemaRef ds:uri="http://schemas.microsoft.com/VisualStudio/2011/storyboarding/control"/>
-  </ds:schemaRefs>
-</ds:datastoreItem>
-</file>
-
-<file path=customXml/itemProps69.xml><?xml version="1.0" encoding="utf-8"?>
-<ds:datastoreItem xmlns:ds="http://schemas.openxmlformats.org/officeDocument/2006/customXml" ds:itemID="{E0754624-A148-4CEA-BD18-01A03FB22D46}">
-  <ds:schemaRefs>
-    <ds:schemaRef ds:uri="http://schemas.microsoft.com/VisualStudio/2011/storyboarding/control"/>
-  </ds:schemaRefs>
-</ds:datastoreItem>
-</file>
-
-<file path=customXml/itemProps7.xml><?xml version="1.0" encoding="utf-8"?>
-<ds:datastoreItem xmlns:ds="http://schemas.openxmlformats.org/officeDocument/2006/customXml" ds:itemID="{FBFDF59E-5209-4231-BC97-B02E1DEADAD3}">
-  <ds:schemaRefs>
-    <ds:schemaRef ds:uri="http://schemas.microsoft.com/VisualStudio/2011/storyboarding/control"/>
-  </ds:schemaRefs>
-</ds:datastoreItem>
-</file>
-
-<file path=customXml/itemProps70.xml><?xml version="1.0" encoding="utf-8"?>
-<ds:datastoreItem xmlns:ds="http://schemas.openxmlformats.org/officeDocument/2006/customXml" ds:itemID="{B4661F4F-AB70-4D6F-92E6-398ACBB95F72}">
-  <ds:schemaRefs>
-    <ds:schemaRef ds:uri="http://schemas.microsoft.com/VisualStudio/2011/storyboarding/control"/>
-  </ds:schemaRefs>
-</ds:datastoreItem>
-</file>
-
-<file path=customXml/itemProps71.xml><?xml version="1.0" encoding="utf-8"?>
-<ds:datastoreItem xmlns:ds="http://schemas.openxmlformats.org/officeDocument/2006/customXml" ds:itemID="{DA6EF944-4FDE-4E5E-829E-2C2EEA31CCC0}">
-  <ds:schemaRefs>
-    <ds:schemaRef ds:uri="http://schemas.microsoft.com/VisualStudio/2011/storyboarding/control"/>
-  </ds:schemaRefs>
-</ds:datastoreItem>
-</file>
-
-<file path=customXml/itemProps72.xml><?xml version="1.0" encoding="utf-8"?>
-<ds:datastoreItem xmlns:ds="http://schemas.openxmlformats.org/officeDocument/2006/customXml" ds:itemID="{2A2DA203-FEA8-4E29-AB9F-9471A11964C4}">
-  <ds:schemaRefs>
-    <ds:schemaRef ds:uri="http://schemas.microsoft.com/VisualStudio/2011/storyboarding/control"/>
-  </ds:schemaRefs>
-</ds:datastoreItem>
-</file>
-
-<file path=customXml/itemProps73.xml><?xml version="1.0" encoding="utf-8"?>
+<file path=customXml/itemProps77.xml><?xml version="1.0" encoding="utf-8"?>
 <ds:datastoreItem xmlns:ds="http://schemas.openxmlformats.org/officeDocument/2006/customXml" ds:itemID="{E25F28B7-8AA8-4575-A5FE-D97D2E721F6E}">
-  <ds:schemaRefs>
-    <ds:schemaRef ds:uri="http://schemas.microsoft.com/VisualStudio/2011/storyboarding/control"/>
-  </ds:schemaRefs>
-</ds:datastoreItem>
-</file>
-
-<file path=customXml/itemProps74.xml><?xml version="1.0" encoding="utf-8"?>
-<ds:datastoreItem xmlns:ds="http://schemas.openxmlformats.org/officeDocument/2006/customXml" ds:itemID="{E4556289-A319-4EAC-905E-961CE4BC0AEC}">
-  <ds:schemaRefs>
-    <ds:schemaRef ds:uri="http://schemas.microsoft.com/VisualStudio/2011/storyboarding/control"/>
-  </ds:schemaRefs>
-</ds:datastoreItem>
-</file>
-
-<file path=customXml/itemProps75.xml><?xml version="1.0" encoding="utf-8"?>
-<ds:datastoreItem xmlns:ds="http://schemas.openxmlformats.org/officeDocument/2006/customXml" ds:itemID="{255586F9-19C6-4AFC-9FBC-0BAA93A95343}">
-  <ds:schemaRefs>
-    <ds:schemaRef ds:uri="http://schemas.microsoft.com/VisualStudio/2011/storyboarding/control"/>
-  </ds:schemaRefs>
-</ds:datastoreItem>
-</file>
-
-<file path=customXml/itemProps76.xml><?xml version="1.0" encoding="utf-8"?>
-<ds:datastoreItem xmlns:ds="http://schemas.openxmlformats.org/officeDocument/2006/customXml" ds:itemID="{D6ADB753-2DA9-4E6A-8174-F168435E5C53}">
-  <ds:schemaRefs>
-    <ds:schemaRef ds:uri="http://schemas.microsoft.com/VisualStudio/2011/storyboarding/control"/>
-  </ds:schemaRefs>
-</ds:datastoreItem>
-</file>
-
-<file path=customXml/itemProps77.xml><?xml version="1.0" encoding="utf-8"?>
-<ds:datastoreItem xmlns:ds="http://schemas.openxmlformats.org/officeDocument/2006/customXml" ds:itemID="{F79FD3CB-0459-428B-8915-B212A926F905}">
   <ds:schemaRefs>
     <ds:schemaRef ds:uri="http://schemas.microsoft.com/VisualStudio/2011/storyboarding/control"/>
   </ds:schemaRefs>
@@ -19456,8 +19588,16 @@
 </ds:datastoreItem>
 </file>
 
+<file path=customXml/itemProps79.xml><?xml version="1.0" encoding="utf-8"?>
+<ds:datastoreItem xmlns:ds="http://schemas.openxmlformats.org/officeDocument/2006/customXml" ds:itemID="{38436F03-8D74-4CF5-ACBE-406A68F4D70C}">
+  <ds:schemaRefs>
+    <ds:schemaRef ds:uri="http://schemas.microsoft.com/VisualStudio/2011/storyboarding/control"/>
+  </ds:schemaRefs>
+</ds:datastoreItem>
+</file>
+
 <file path=customXml/itemProps8.xml><?xml version="1.0" encoding="utf-8"?>
-<ds:datastoreItem xmlns:ds="http://schemas.openxmlformats.org/officeDocument/2006/customXml" ds:itemID="{D3124AFE-4EB5-4B52-AC10-9701FC388D02}">
+<ds:datastoreItem xmlns:ds="http://schemas.openxmlformats.org/officeDocument/2006/customXml" ds:itemID="{941184A7-CE81-4FD2-8A35-DB3CB3BB37F3}">
   <ds:schemaRefs>
     <ds:schemaRef ds:uri="http://schemas.microsoft.com/VisualStudio/2011/storyboarding/control"/>
   </ds:schemaRefs>
@@ -19465,7 +19605,7 @@
 </file>
 
 <file path=customXml/itemProps9.xml><?xml version="1.0" encoding="utf-8"?>
-<ds:datastoreItem xmlns:ds="http://schemas.openxmlformats.org/officeDocument/2006/customXml" ds:itemID="{BE3C5397-2BB3-4996-90B4-47CF4BFB49E5}">
+<ds:datastoreItem xmlns:ds="http://schemas.openxmlformats.org/officeDocument/2006/customXml" ds:itemID="{9392E1F2-492D-4CB9-8668-ABD9287958BF}">
   <ds:schemaRefs>
     <ds:schemaRef ds:uri="http://schemas.microsoft.com/VisualStudio/2011/storyboarding/control"/>
   </ds:schemaRefs>
